--- a/slides/intro_slides.pptx
+++ b/slides/intro_slides.pptx
@@ -9336,7 +9336,7 @@
           <a:p>
             <a:fld id="{0EFA7FD9-DE90-4CA6-A7DC-DE592E5BE89D}" type="datetimeFigureOut">
               <a:rPr lang="en-US" smtClean="0"/>
-              <a:t>7/9/2020</a:t>
+              <a:t>8/4/2020</a:t>
             </a:fld>
             <a:endParaRPr lang="en-US" dirty="0"/>
           </a:p>
@@ -9534,7 +9534,7 @@
           <a:p>
             <a:fld id="{0EFA7FD9-DE90-4CA6-A7DC-DE592E5BE89D}" type="datetimeFigureOut">
               <a:rPr lang="en-US" smtClean="0"/>
-              <a:t>7/9/2020</a:t>
+              <a:t>8/4/2020</a:t>
             </a:fld>
             <a:endParaRPr lang="en-US" dirty="0"/>
           </a:p>
@@ -9742,7 +9742,7 @@
           <a:p>
             <a:fld id="{0EFA7FD9-DE90-4CA6-A7DC-DE592E5BE89D}" type="datetimeFigureOut">
               <a:rPr lang="en-US" smtClean="0"/>
-              <a:t>7/9/2020</a:t>
+              <a:t>8/4/2020</a:t>
             </a:fld>
             <a:endParaRPr lang="en-US" dirty="0"/>
           </a:p>
@@ -9940,7 +9940,7 @@
           <a:p>
             <a:fld id="{0EFA7FD9-DE90-4CA6-A7DC-DE592E5BE89D}" type="datetimeFigureOut">
               <a:rPr lang="en-US" smtClean="0"/>
-              <a:t>7/9/2020</a:t>
+              <a:t>8/4/2020</a:t>
             </a:fld>
             <a:endParaRPr lang="en-US" dirty="0"/>
           </a:p>
@@ -10215,7 +10215,7 @@
           <a:p>
             <a:fld id="{0EFA7FD9-DE90-4CA6-A7DC-DE592E5BE89D}" type="datetimeFigureOut">
               <a:rPr lang="en-US" smtClean="0"/>
-              <a:t>7/9/2020</a:t>
+              <a:t>8/4/2020</a:t>
             </a:fld>
             <a:endParaRPr lang="en-US" dirty="0"/>
           </a:p>
@@ -10480,7 +10480,7 @@
           <a:p>
             <a:fld id="{0EFA7FD9-DE90-4CA6-A7DC-DE592E5BE89D}" type="datetimeFigureOut">
               <a:rPr lang="en-US" smtClean="0"/>
-              <a:t>7/9/2020</a:t>
+              <a:t>8/4/2020</a:t>
             </a:fld>
             <a:endParaRPr lang="en-US" dirty="0"/>
           </a:p>
@@ -10892,7 +10892,7 @@
           <a:p>
             <a:fld id="{0EFA7FD9-DE90-4CA6-A7DC-DE592E5BE89D}" type="datetimeFigureOut">
               <a:rPr lang="en-US" smtClean="0"/>
-              <a:t>7/9/2020</a:t>
+              <a:t>8/4/2020</a:t>
             </a:fld>
             <a:endParaRPr lang="en-US" dirty="0"/>
           </a:p>
@@ -11033,7 +11033,7 @@
           <a:p>
             <a:fld id="{0EFA7FD9-DE90-4CA6-A7DC-DE592E5BE89D}" type="datetimeFigureOut">
               <a:rPr lang="en-US" smtClean="0"/>
-              <a:t>7/9/2020</a:t>
+              <a:t>8/4/2020</a:t>
             </a:fld>
             <a:endParaRPr lang="en-US" dirty="0"/>
           </a:p>
@@ -11146,7 +11146,7 @@
           <a:p>
             <a:fld id="{0EFA7FD9-DE90-4CA6-A7DC-DE592E5BE89D}" type="datetimeFigureOut">
               <a:rPr lang="en-US" smtClean="0"/>
-              <a:t>7/9/2020</a:t>
+              <a:t>8/4/2020</a:t>
             </a:fld>
             <a:endParaRPr lang="en-US" dirty="0"/>
           </a:p>
@@ -11457,7 +11457,7 @@
           <a:p>
             <a:fld id="{0EFA7FD9-DE90-4CA6-A7DC-DE592E5BE89D}" type="datetimeFigureOut">
               <a:rPr lang="en-US" smtClean="0"/>
-              <a:t>7/9/2020</a:t>
+              <a:t>8/4/2020</a:t>
             </a:fld>
             <a:endParaRPr lang="en-US" dirty="0"/>
           </a:p>
@@ -11745,7 +11745,7 @@
           <a:p>
             <a:fld id="{0EFA7FD9-DE90-4CA6-A7DC-DE592E5BE89D}" type="datetimeFigureOut">
               <a:rPr lang="en-US" smtClean="0"/>
-              <a:t>7/9/2020</a:t>
+              <a:t>8/4/2020</a:t>
             </a:fld>
             <a:endParaRPr lang="en-US" dirty="0"/>
           </a:p>
@@ -11986,7 +11986,7 @@
           <a:p>
             <a:fld id="{0EFA7FD9-DE90-4CA6-A7DC-DE592E5BE89D}" type="datetimeFigureOut">
               <a:rPr lang="en-US" smtClean="0"/>
-              <a:t>7/9/2020</a:t>
+              <a:t>8/4/2020</a:t>
             </a:fld>
             <a:endParaRPr lang="en-US" dirty="0"/>
           </a:p>

--- a/slides/intro_slides.pptx
+++ b/slides/intro_slides.pptx
@@ -5,13 +5,14 @@
     <p:sldMasterId id="2147483648" r:id="rId1"/>
   </p:sldMasterIdLst>
   <p:sldIdLst>
-    <p:sldId id="261" r:id="rId2"/>
-    <p:sldId id="262" r:id="rId3"/>
-    <p:sldId id="263" r:id="rId4"/>
-    <p:sldId id="258" r:id="rId5"/>
-    <p:sldId id="257" r:id="rId6"/>
-    <p:sldId id="259" r:id="rId7"/>
-    <p:sldId id="260" r:id="rId8"/>
+    <p:sldId id="264" r:id="rId2"/>
+    <p:sldId id="261" r:id="rId3"/>
+    <p:sldId id="262" r:id="rId4"/>
+    <p:sldId id="263" r:id="rId5"/>
+    <p:sldId id="258" r:id="rId6"/>
+    <p:sldId id="257" r:id="rId7"/>
+    <p:sldId id="259" r:id="rId8"/>
+    <p:sldId id="260" r:id="rId9"/>
   </p:sldIdLst>
   <p:sldSz cx="12192000" cy="6858000"/>
   <p:notesSz cx="6858000" cy="9144000"/>
@@ -2971,7 +2972,7 @@
             <a:rPr lang="en-US" sz="2000" dirty="0">
               <a:latin typeface="Consolas" panose="020B0609020204030204" pitchFamily="49" charset="0"/>
             </a:rPr>
-            <a:t>0_retrieve_data.R</a:t>
+            <a:t>0_download_data.R</a:t>
           </a:r>
         </a:p>
       </dgm:t>
@@ -4658,7 +4659,7 @@
             <a:rPr lang="en-US" sz="2000" kern="1200" dirty="0">
               <a:latin typeface="Consolas" panose="020B0609020204030204" pitchFamily="49" charset="0"/>
             </a:rPr>
-            <a:t>0_retrieve_data.R</a:t>
+            <a:t>0_download_data.R</a:t>
           </a:r>
         </a:p>
       </dsp:txBody>
@@ -9336,7 +9337,7 @@
           <a:p>
             <a:fld id="{0EFA7FD9-DE90-4CA6-A7DC-DE592E5BE89D}" type="datetimeFigureOut">
               <a:rPr lang="en-US" smtClean="0"/>
-              <a:t>8/4/2020</a:t>
+              <a:t>8/5/2020</a:t>
             </a:fld>
             <a:endParaRPr lang="en-US" dirty="0"/>
           </a:p>
@@ -9534,7 +9535,7 @@
           <a:p>
             <a:fld id="{0EFA7FD9-DE90-4CA6-A7DC-DE592E5BE89D}" type="datetimeFigureOut">
               <a:rPr lang="en-US" smtClean="0"/>
-              <a:t>8/4/2020</a:t>
+              <a:t>8/5/2020</a:t>
             </a:fld>
             <a:endParaRPr lang="en-US" dirty="0"/>
           </a:p>
@@ -9742,7 +9743,7 @@
           <a:p>
             <a:fld id="{0EFA7FD9-DE90-4CA6-A7DC-DE592E5BE89D}" type="datetimeFigureOut">
               <a:rPr lang="en-US" smtClean="0"/>
-              <a:t>8/4/2020</a:t>
+              <a:t>8/5/2020</a:t>
             </a:fld>
             <a:endParaRPr lang="en-US" dirty="0"/>
           </a:p>
@@ -9940,7 +9941,7 @@
           <a:p>
             <a:fld id="{0EFA7FD9-DE90-4CA6-A7DC-DE592E5BE89D}" type="datetimeFigureOut">
               <a:rPr lang="en-US" smtClean="0"/>
-              <a:t>8/4/2020</a:t>
+              <a:t>8/5/2020</a:t>
             </a:fld>
             <a:endParaRPr lang="en-US" dirty="0"/>
           </a:p>
@@ -10215,7 +10216,7 @@
           <a:p>
             <a:fld id="{0EFA7FD9-DE90-4CA6-A7DC-DE592E5BE89D}" type="datetimeFigureOut">
               <a:rPr lang="en-US" smtClean="0"/>
-              <a:t>8/4/2020</a:t>
+              <a:t>8/5/2020</a:t>
             </a:fld>
             <a:endParaRPr lang="en-US" dirty="0"/>
           </a:p>
@@ -10480,7 +10481,7 @@
           <a:p>
             <a:fld id="{0EFA7FD9-DE90-4CA6-A7DC-DE592E5BE89D}" type="datetimeFigureOut">
               <a:rPr lang="en-US" smtClean="0"/>
-              <a:t>8/4/2020</a:t>
+              <a:t>8/5/2020</a:t>
             </a:fld>
             <a:endParaRPr lang="en-US" dirty="0"/>
           </a:p>
@@ -10892,7 +10893,7 @@
           <a:p>
             <a:fld id="{0EFA7FD9-DE90-4CA6-A7DC-DE592E5BE89D}" type="datetimeFigureOut">
               <a:rPr lang="en-US" smtClean="0"/>
-              <a:t>8/4/2020</a:t>
+              <a:t>8/5/2020</a:t>
             </a:fld>
             <a:endParaRPr lang="en-US" dirty="0"/>
           </a:p>
@@ -11033,7 +11034,7 @@
           <a:p>
             <a:fld id="{0EFA7FD9-DE90-4CA6-A7DC-DE592E5BE89D}" type="datetimeFigureOut">
               <a:rPr lang="en-US" smtClean="0"/>
-              <a:t>8/4/2020</a:t>
+              <a:t>8/5/2020</a:t>
             </a:fld>
             <a:endParaRPr lang="en-US" dirty="0"/>
           </a:p>
@@ -11146,7 +11147,7 @@
           <a:p>
             <a:fld id="{0EFA7FD9-DE90-4CA6-A7DC-DE592E5BE89D}" type="datetimeFigureOut">
               <a:rPr lang="en-US" smtClean="0"/>
-              <a:t>8/4/2020</a:t>
+              <a:t>8/5/2020</a:t>
             </a:fld>
             <a:endParaRPr lang="en-US" dirty="0"/>
           </a:p>
@@ -11457,7 +11458,7 @@
           <a:p>
             <a:fld id="{0EFA7FD9-DE90-4CA6-A7DC-DE592E5BE89D}" type="datetimeFigureOut">
               <a:rPr lang="en-US" smtClean="0"/>
-              <a:t>8/4/2020</a:t>
+              <a:t>8/5/2020</a:t>
             </a:fld>
             <a:endParaRPr lang="en-US" dirty="0"/>
           </a:p>
@@ -11745,7 +11746,7 @@
           <a:p>
             <a:fld id="{0EFA7FD9-DE90-4CA6-A7DC-DE592E5BE89D}" type="datetimeFigureOut">
               <a:rPr lang="en-US" smtClean="0"/>
-              <a:t>8/4/2020</a:t>
+              <a:t>8/5/2020</a:t>
             </a:fld>
             <a:endParaRPr lang="en-US" dirty="0"/>
           </a:p>
@@ -11986,7 +11987,7 @@
           <a:p>
             <a:fld id="{0EFA7FD9-DE90-4CA6-A7DC-DE592E5BE89D}" type="datetimeFigureOut">
               <a:rPr lang="en-US" smtClean="0"/>
-              <a:t>8/4/2020</a:t>
+              <a:t>8/5/2020</a:t>
             </a:fld>
             <a:endParaRPr lang="en-US" dirty="0"/>
           </a:p>
@@ -12408,6 +12409,96 @@
           <p:cNvPr id="2" name="Title 1">
             <a:extLst>
               <a:ext uri="{FF2B5EF4-FFF2-40B4-BE49-F238E27FC236}">
+                <a16:creationId xmlns:a16="http://schemas.microsoft.com/office/drawing/2014/main" id="{2952AD0C-6FF5-405D-AAC1-95E6E5A91DF2}"/>
+              </a:ext>
+            </a:extLst>
+          </p:cNvPr>
+          <p:cNvSpPr>
+            <a:spLocks noGrp="1"/>
+          </p:cNvSpPr>
+          <p:nvPr>
+            <p:ph type="ctrTitle"/>
+          </p:nvPr>
+        </p:nvSpPr>
+        <p:spPr/>
+        <p:txBody>
+          <a:bodyPr/>
+          <a:lstStyle/>
+          <a:p>
+            <a:r>
+              <a:rPr lang="en-US" dirty="0">
+                <a:solidFill>
+                  <a:schemeClr val="accent1"/>
+                </a:solidFill>
+              </a:rPr>
+              <a:t>R-higher-ed-training</a:t>
+            </a:r>
+          </a:p>
+        </p:txBody>
+      </p:sp>
+      <p:sp>
+        <p:nvSpPr>
+          <p:cNvPr id="3" name="Subtitle 2">
+            <a:extLst>
+              <a:ext uri="{FF2B5EF4-FFF2-40B4-BE49-F238E27FC236}">
+                <a16:creationId xmlns:a16="http://schemas.microsoft.com/office/drawing/2014/main" id="{5E5BA07C-E8BD-4B5A-B622-D12FA9382B4D}"/>
+              </a:ext>
+            </a:extLst>
+          </p:cNvPr>
+          <p:cNvSpPr>
+            <a:spLocks noGrp="1"/>
+          </p:cNvSpPr>
+          <p:nvPr>
+            <p:ph type="subTitle" idx="1"/>
+          </p:nvPr>
+        </p:nvSpPr>
+        <p:spPr/>
+        <p:txBody>
+          <a:bodyPr/>
+          <a:lstStyle/>
+          <a:p>
+            <a:r>
+              <a:rPr lang="en-US" dirty="0"/>
+              <a:t>Center on Budget and Policy Priorities</a:t>
+            </a:r>
+          </a:p>
+        </p:txBody>
+      </p:sp>
+    </p:spTree>
+    <p:extLst>
+      <p:ext uri="{BB962C8B-B14F-4D97-AF65-F5344CB8AC3E}">
+        <p14:creationId xmlns:p14="http://schemas.microsoft.com/office/powerpoint/2010/main" val="4120582674"/>
+      </p:ext>
+    </p:extLst>
+  </p:cSld>
+  <p:clrMapOvr>
+    <a:masterClrMapping/>
+  </p:clrMapOvr>
+</p:sld>
+</file>
+
+<file path=ppt/slides/slide2.xml><?xml version="1.0" encoding="utf-8"?>
+<p:sld xmlns:a="http://schemas.openxmlformats.org/drawingml/2006/main" xmlns:r="http://schemas.openxmlformats.org/officeDocument/2006/relationships" xmlns:p="http://schemas.openxmlformats.org/presentationml/2006/main">
+  <p:cSld>
+    <p:spTree>
+      <p:nvGrpSpPr>
+        <p:cNvPr id="1" name=""/>
+        <p:cNvGrpSpPr/>
+        <p:nvPr/>
+      </p:nvGrpSpPr>
+      <p:grpSpPr>
+        <a:xfrm>
+          <a:off x="0" y="0"/>
+          <a:ext cx="0" cy="0"/>
+          <a:chOff x="0" y="0"/>
+          <a:chExt cx="0" cy="0"/>
+        </a:xfrm>
+      </p:grpSpPr>
+      <p:sp>
+        <p:nvSpPr>
+          <p:cNvPr id="2" name="Title 1">
+            <a:extLst>
+              <a:ext uri="{FF2B5EF4-FFF2-40B4-BE49-F238E27FC236}">
                 <a16:creationId xmlns:a16="http://schemas.microsoft.com/office/drawing/2014/main" id="{01BF6446-0438-499F-9407-C4BFF0D20612}"/>
               </a:ext>
             </a:extLst>
@@ -12496,7 +12587,7 @@
 </p:sld>
 </file>
 
-<file path=ppt/slides/slide2.xml><?xml version="1.0" encoding="utf-8"?>
+<file path=ppt/slides/slide3.xml><?xml version="1.0" encoding="utf-8"?>
 <p:sld xmlns:a="http://schemas.openxmlformats.org/drawingml/2006/main" xmlns:r="http://schemas.openxmlformats.org/officeDocument/2006/relationships" xmlns:p="http://schemas.openxmlformats.org/presentationml/2006/main">
   <p:cSld>
     <p:spTree>
@@ -12612,7 +12703,7 @@
 </p:sld>
 </file>
 
-<file path=ppt/slides/slide3.xml><?xml version="1.0" encoding="utf-8"?>
+<file path=ppt/slides/slide4.xml><?xml version="1.0" encoding="utf-8"?>
 <p:sld xmlns:a="http://schemas.openxmlformats.org/drawingml/2006/main" xmlns:r="http://schemas.openxmlformats.org/officeDocument/2006/relationships" xmlns:p="http://schemas.openxmlformats.org/presentationml/2006/main">
   <p:cSld>
     <p:spTree>
@@ -12805,7 +12896,7 @@
           <a:lstStyle/>
           <a:p>
             <a:pPr algn="ctr"/>
-            <a:endParaRPr lang="en-US"/>
+            <a:endParaRPr lang="en-US" dirty="0"/>
           </a:p>
         </p:txBody>
       </p:sp>
@@ -12851,7 +12942,7 @@
           <a:lstStyle/>
           <a:p>
             <a:pPr algn="ctr"/>
-            <a:endParaRPr lang="en-US"/>
+            <a:endParaRPr lang="en-US" dirty="0"/>
           </a:p>
         </p:txBody>
       </p:sp>
@@ -12956,7 +13047,7 @@
 </p:sld>
 </file>
 
-<file path=ppt/slides/slide4.xml><?xml version="1.0" encoding="utf-8"?>
+<file path=ppt/slides/slide5.xml><?xml version="1.0" encoding="utf-8"?>
 <p:sld xmlns:a="http://schemas.openxmlformats.org/drawingml/2006/main" xmlns:r="http://schemas.openxmlformats.org/officeDocument/2006/relationships" xmlns:p="http://schemas.openxmlformats.org/presentationml/2006/main">
   <p:cSld>
     <p:spTree>
@@ -13050,7 +13141,7 @@
 </p:sld>
 </file>
 
-<file path=ppt/slides/slide5.xml><?xml version="1.0" encoding="utf-8"?>
+<file path=ppt/slides/slide6.xml><?xml version="1.0" encoding="utf-8"?>
 <p:sld xmlns:a="http://schemas.openxmlformats.org/drawingml/2006/main" xmlns:r="http://schemas.openxmlformats.org/officeDocument/2006/relationships" xmlns:p="http://schemas.openxmlformats.org/presentationml/2006/main">
   <p:cSld>
     <p:spTree>
@@ -13080,7 +13171,7 @@
           <p:nvPr>
             <p:extLst>
               <p:ext uri="{D42A27DB-BD31-4B8C-83A1-F6EECF244321}">
-                <p14:modId xmlns:p14="http://schemas.microsoft.com/office/powerpoint/2010/main" val="1364804193"/>
+                <p14:modId xmlns:p14="http://schemas.microsoft.com/office/powerpoint/2010/main" val="1728534392"/>
               </p:ext>
             </p:extLst>
           </p:nvPr>
@@ -13144,7 +13235,7 @@
 </p:sld>
 </file>
 
-<file path=ppt/slides/slide6.xml><?xml version="1.0" encoding="utf-8"?>
+<file path=ppt/slides/slide7.xml><?xml version="1.0" encoding="utf-8"?>
 <p:sld xmlns:a="http://schemas.openxmlformats.org/drawingml/2006/main" xmlns:r="http://schemas.openxmlformats.org/officeDocument/2006/relationships" xmlns:p="http://schemas.openxmlformats.org/presentationml/2006/main">
   <p:cSld>
     <p:spTree>
@@ -13174,7 +13265,7 @@
           <p:nvPr>
             <p:extLst>
               <p:ext uri="{D42A27DB-BD31-4B8C-83A1-F6EECF244321}">
-                <p14:modId xmlns:p14="http://schemas.microsoft.com/office/powerpoint/2010/main" val="3623880226"/>
+                <p14:modId xmlns:p14="http://schemas.microsoft.com/office/powerpoint/2010/main" val="2072524896"/>
               </p:ext>
             </p:extLst>
           </p:nvPr>
@@ -13238,7 +13329,7 @@
 </p:sld>
 </file>
 
-<file path=ppt/slides/slide7.xml><?xml version="1.0" encoding="utf-8"?>
+<file path=ppt/slides/slide8.xml><?xml version="1.0" encoding="utf-8"?>
 <p:sld xmlns:a="http://schemas.openxmlformats.org/drawingml/2006/main" xmlns:r="http://schemas.openxmlformats.org/officeDocument/2006/relationships" xmlns:p="http://schemas.openxmlformats.org/presentationml/2006/main">
   <p:cSld>
     <p:spTree>

--- a/slides/intro_slides.pptx
+++ b/slides/intro_slides.pptx
@@ -9337,7 +9337,7 @@
           <a:p>
             <a:fld id="{0EFA7FD9-DE90-4CA6-A7DC-DE592E5BE89D}" type="datetimeFigureOut">
               <a:rPr lang="en-US" smtClean="0"/>
-              <a:t>8/5/2020</a:t>
+              <a:t>8/18/2020</a:t>
             </a:fld>
             <a:endParaRPr lang="en-US" dirty="0"/>
           </a:p>
@@ -9535,7 +9535,7 @@
           <a:p>
             <a:fld id="{0EFA7FD9-DE90-4CA6-A7DC-DE592E5BE89D}" type="datetimeFigureOut">
               <a:rPr lang="en-US" smtClean="0"/>
-              <a:t>8/5/2020</a:t>
+              <a:t>8/18/2020</a:t>
             </a:fld>
             <a:endParaRPr lang="en-US" dirty="0"/>
           </a:p>
@@ -9743,7 +9743,7 @@
           <a:p>
             <a:fld id="{0EFA7FD9-DE90-4CA6-A7DC-DE592E5BE89D}" type="datetimeFigureOut">
               <a:rPr lang="en-US" smtClean="0"/>
-              <a:t>8/5/2020</a:t>
+              <a:t>8/18/2020</a:t>
             </a:fld>
             <a:endParaRPr lang="en-US" dirty="0"/>
           </a:p>
@@ -9941,7 +9941,7 @@
           <a:p>
             <a:fld id="{0EFA7FD9-DE90-4CA6-A7DC-DE592E5BE89D}" type="datetimeFigureOut">
               <a:rPr lang="en-US" smtClean="0"/>
-              <a:t>8/5/2020</a:t>
+              <a:t>8/18/2020</a:t>
             </a:fld>
             <a:endParaRPr lang="en-US" dirty="0"/>
           </a:p>
@@ -10216,7 +10216,7 @@
           <a:p>
             <a:fld id="{0EFA7FD9-DE90-4CA6-A7DC-DE592E5BE89D}" type="datetimeFigureOut">
               <a:rPr lang="en-US" smtClean="0"/>
-              <a:t>8/5/2020</a:t>
+              <a:t>8/18/2020</a:t>
             </a:fld>
             <a:endParaRPr lang="en-US" dirty="0"/>
           </a:p>
@@ -10481,7 +10481,7 @@
           <a:p>
             <a:fld id="{0EFA7FD9-DE90-4CA6-A7DC-DE592E5BE89D}" type="datetimeFigureOut">
               <a:rPr lang="en-US" smtClean="0"/>
-              <a:t>8/5/2020</a:t>
+              <a:t>8/18/2020</a:t>
             </a:fld>
             <a:endParaRPr lang="en-US" dirty="0"/>
           </a:p>
@@ -10893,7 +10893,7 @@
           <a:p>
             <a:fld id="{0EFA7FD9-DE90-4CA6-A7DC-DE592E5BE89D}" type="datetimeFigureOut">
               <a:rPr lang="en-US" smtClean="0"/>
-              <a:t>8/5/2020</a:t>
+              <a:t>8/18/2020</a:t>
             </a:fld>
             <a:endParaRPr lang="en-US" dirty="0"/>
           </a:p>
@@ -11034,7 +11034,7 @@
           <a:p>
             <a:fld id="{0EFA7FD9-DE90-4CA6-A7DC-DE592E5BE89D}" type="datetimeFigureOut">
               <a:rPr lang="en-US" smtClean="0"/>
-              <a:t>8/5/2020</a:t>
+              <a:t>8/18/2020</a:t>
             </a:fld>
             <a:endParaRPr lang="en-US" dirty="0"/>
           </a:p>
@@ -11147,7 +11147,7 @@
           <a:p>
             <a:fld id="{0EFA7FD9-DE90-4CA6-A7DC-DE592E5BE89D}" type="datetimeFigureOut">
               <a:rPr lang="en-US" smtClean="0"/>
-              <a:t>8/5/2020</a:t>
+              <a:t>8/18/2020</a:t>
             </a:fld>
             <a:endParaRPr lang="en-US" dirty="0"/>
           </a:p>
@@ -11458,7 +11458,7 @@
           <a:p>
             <a:fld id="{0EFA7FD9-DE90-4CA6-A7DC-DE592E5BE89D}" type="datetimeFigureOut">
               <a:rPr lang="en-US" smtClean="0"/>
-              <a:t>8/5/2020</a:t>
+              <a:t>8/18/2020</a:t>
             </a:fld>
             <a:endParaRPr lang="en-US" dirty="0"/>
           </a:p>
@@ -11746,7 +11746,7 @@
           <a:p>
             <a:fld id="{0EFA7FD9-DE90-4CA6-A7DC-DE592E5BE89D}" type="datetimeFigureOut">
               <a:rPr lang="en-US" smtClean="0"/>
-              <a:t>8/5/2020</a:t>
+              <a:t>8/18/2020</a:t>
             </a:fld>
             <a:endParaRPr lang="en-US" dirty="0"/>
           </a:p>
@@ -11987,7 +11987,7 @@
           <a:p>
             <a:fld id="{0EFA7FD9-DE90-4CA6-A7DC-DE592E5BE89D}" type="datetimeFigureOut">
               <a:rPr lang="en-US" smtClean="0"/>
-              <a:t>8/5/2020</a:t>
+              <a:t>8/18/2020</a:t>
             </a:fld>
             <a:endParaRPr lang="en-US" dirty="0"/>
           </a:p>
@@ -12431,7 +12431,7 @@
                   <a:schemeClr val="accent1"/>
                 </a:solidFill>
               </a:rPr>
-              <a:t>R-higher-ed-training</a:t>
+              <a:t>R-intro-training</a:t>
             </a:r>
           </a:p>
         </p:txBody>

--- a/slides/intro_slides.pptx
+++ b/slides/intro_slides.pptx
@@ -12,7 +12,6 @@
     <p:sldId id="258" r:id="rId6"/>
     <p:sldId id="257" r:id="rId7"/>
     <p:sldId id="259" r:id="rId8"/>
-    <p:sldId id="260" r:id="rId9"/>
   </p:sldIdLst>
   <p:sldSz cx="12192000" cy="6858000"/>
   <p:notesSz cx="6858000" cy="9144000"/>
@@ -9337,7 +9336,7 @@
           <a:p>
             <a:fld id="{0EFA7FD9-DE90-4CA6-A7DC-DE592E5BE89D}" type="datetimeFigureOut">
               <a:rPr lang="en-US" smtClean="0"/>
-              <a:t>8/18/2020</a:t>
+              <a:t>12/17/2020</a:t>
             </a:fld>
             <a:endParaRPr lang="en-US" dirty="0"/>
           </a:p>
@@ -9535,7 +9534,7 @@
           <a:p>
             <a:fld id="{0EFA7FD9-DE90-4CA6-A7DC-DE592E5BE89D}" type="datetimeFigureOut">
               <a:rPr lang="en-US" smtClean="0"/>
-              <a:t>8/18/2020</a:t>
+              <a:t>12/17/2020</a:t>
             </a:fld>
             <a:endParaRPr lang="en-US" dirty="0"/>
           </a:p>
@@ -9743,7 +9742,7 @@
           <a:p>
             <a:fld id="{0EFA7FD9-DE90-4CA6-A7DC-DE592E5BE89D}" type="datetimeFigureOut">
               <a:rPr lang="en-US" smtClean="0"/>
-              <a:t>8/18/2020</a:t>
+              <a:t>12/17/2020</a:t>
             </a:fld>
             <a:endParaRPr lang="en-US" dirty="0"/>
           </a:p>
@@ -9941,7 +9940,7 @@
           <a:p>
             <a:fld id="{0EFA7FD9-DE90-4CA6-A7DC-DE592E5BE89D}" type="datetimeFigureOut">
               <a:rPr lang="en-US" smtClean="0"/>
-              <a:t>8/18/2020</a:t>
+              <a:t>12/17/2020</a:t>
             </a:fld>
             <a:endParaRPr lang="en-US" dirty="0"/>
           </a:p>
@@ -10216,7 +10215,7 @@
           <a:p>
             <a:fld id="{0EFA7FD9-DE90-4CA6-A7DC-DE592E5BE89D}" type="datetimeFigureOut">
               <a:rPr lang="en-US" smtClean="0"/>
-              <a:t>8/18/2020</a:t>
+              <a:t>12/17/2020</a:t>
             </a:fld>
             <a:endParaRPr lang="en-US" dirty="0"/>
           </a:p>
@@ -10481,7 +10480,7 @@
           <a:p>
             <a:fld id="{0EFA7FD9-DE90-4CA6-A7DC-DE592E5BE89D}" type="datetimeFigureOut">
               <a:rPr lang="en-US" smtClean="0"/>
-              <a:t>8/18/2020</a:t>
+              <a:t>12/17/2020</a:t>
             </a:fld>
             <a:endParaRPr lang="en-US" dirty="0"/>
           </a:p>
@@ -10893,7 +10892,7 @@
           <a:p>
             <a:fld id="{0EFA7FD9-DE90-4CA6-A7DC-DE592E5BE89D}" type="datetimeFigureOut">
               <a:rPr lang="en-US" smtClean="0"/>
-              <a:t>8/18/2020</a:t>
+              <a:t>12/17/2020</a:t>
             </a:fld>
             <a:endParaRPr lang="en-US" dirty="0"/>
           </a:p>
@@ -11034,7 +11033,7 @@
           <a:p>
             <a:fld id="{0EFA7FD9-DE90-4CA6-A7DC-DE592E5BE89D}" type="datetimeFigureOut">
               <a:rPr lang="en-US" smtClean="0"/>
-              <a:t>8/18/2020</a:t>
+              <a:t>12/17/2020</a:t>
             </a:fld>
             <a:endParaRPr lang="en-US" dirty="0"/>
           </a:p>
@@ -11147,7 +11146,7 @@
           <a:p>
             <a:fld id="{0EFA7FD9-DE90-4CA6-A7DC-DE592E5BE89D}" type="datetimeFigureOut">
               <a:rPr lang="en-US" smtClean="0"/>
-              <a:t>8/18/2020</a:t>
+              <a:t>12/17/2020</a:t>
             </a:fld>
             <a:endParaRPr lang="en-US" dirty="0"/>
           </a:p>
@@ -11458,7 +11457,7 @@
           <a:p>
             <a:fld id="{0EFA7FD9-DE90-4CA6-A7DC-DE592E5BE89D}" type="datetimeFigureOut">
               <a:rPr lang="en-US" smtClean="0"/>
-              <a:t>8/18/2020</a:t>
+              <a:t>12/17/2020</a:t>
             </a:fld>
             <a:endParaRPr lang="en-US" dirty="0"/>
           </a:p>
@@ -11746,7 +11745,7 @@
           <a:p>
             <a:fld id="{0EFA7FD9-DE90-4CA6-A7DC-DE592E5BE89D}" type="datetimeFigureOut">
               <a:rPr lang="en-US" smtClean="0"/>
-              <a:t>8/18/2020</a:t>
+              <a:t>12/17/2020</a:t>
             </a:fld>
             <a:endParaRPr lang="en-US" dirty="0"/>
           </a:p>
@@ -11987,7 +11986,7 @@
           <a:p>
             <a:fld id="{0EFA7FD9-DE90-4CA6-A7DC-DE592E5BE89D}" type="datetimeFigureOut">
               <a:rPr lang="en-US" smtClean="0"/>
-              <a:t>8/18/2020</a:t>
+              <a:t>12/17/2020</a:t>
             </a:fld>
             <a:endParaRPr lang="en-US" dirty="0"/>
           </a:p>
@@ -13329,113 +13328,6 @@
 </p:sld>
 </file>
 
-<file path=ppt/slides/slide8.xml><?xml version="1.0" encoding="utf-8"?>
-<p:sld xmlns:a="http://schemas.openxmlformats.org/drawingml/2006/main" xmlns:r="http://schemas.openxmlformats.org/officeDocument/2006/relationships" xmlns:p="http://schemas.openxmlformats.org/presentationml/2006/main">
-  <p:cSld>
-    <p:spTree>
-      <p:nvGrpSpPr>
-        <p:cNvPr id="1" name=""/>
-        <p:cNvGrpSpPr/>
-        <p:nvPr/>
-      </p:nvGrpSpPr>
-      <p:grpSpPr>
-        <a:xfrm>
-          <a:off x="0" y="0"/>
-          <a:ext cx="0" cy="0"/>
-          <a:chOff x="0" y="0"/>
-          <a:chExt cx="0" cy="0"/>
-        </a:xfrm>
-      </p:grpSpPr>
-      <p:sp>
-        <p:nvSpPr>
-          <p:cNvPr id="2" name="Title 1">
-            <a:extLst>
-              <a:ext uri="{FF2B5EF4-FFF2-40B4-BE49-F238E27FC236}">
-                <a16:creationId xmlns:a16="http://schemas.microsoft.com/office/drawing/2014/main" id="{DB671756-E549-438D-B0CB-FEC4F2CBB509}"/>
-              </a:ext>
-            </a:extLst>
-          </p:cNvPr>
-          <p:cNvSpPr>
-            <a:spLocks noGrp="1"/>
-          </p:cNvSpPr>
-          <p:nvPr>
-            <p:ph type="title"/>
-          </p:nvPr>
-        </p:nvSpPr>
-        <p:spPr/>
-        <p:txBody>
-          <a:bodyPr/>
-          <a:lstStyle/>
-          <a:p>
-            <a:r>
-              <a:rPr lang="en-US" dirty="0"/>
-              <a:t>Thought experiment</a:t>
-            </a:r>
-          </a:p>
-        </p:txBody>
-      </p:sp>
-      <p:sp>
-        <p:nvSpPr>
-          <p:cNvPr id="3" name="Content Placeholder 2">
-            <a:extLst>
-              <a:ext uri="{FF2B5EF4-FFF2-40B4-BE49-F238E27FC236}">
-                <a16:creationId xmlns:a16="http://schemas.microsoft.com/office/drawing/2014/main" id="{C8D7C61F-769F-444A-ADC5-4042F001EFF5}"/>
-              </a:ext>
-            </a:extLst>
-          </p:cNvPr>
-          <p:cNvSpPr>
-            <a:spLocks noGrp="1"/>
-          </p:cNvSpPr>
-          <p:nvPr>
-            <p:ph idx="1"/>
-          </p:nvPr>
-        </p:nvSpPr>
-        <p:spPr/>
-        <p:txBody>
-          <a:bodyPr/>
-          <a:lstStyle/>
-          <a:p>
-            <a:pPr marL="0" indent="0">
-              <a:buNone/>
-            </a:pPr>
-            <a:r>
-              <a:rPr lang="en-US" dirty="0"/>
-              <a:t>If you wanted to bake a muffin (for the first time), which would you rather have:</a:t>
-            </a:r>
-          </a:p>
-          <a:p>
-            <a:pPr marL="514350" indent="-514350">
-              <a:buAutoNum type="alphaLcParenR"/>
-            </a:pPr>
-            <a:r>
-              <a:rPr lang="en-US" dirty="0"/>
-              <a:t>An example muffin</a:t>
-            </a:r>
-          </a:p>
-          <a:p>
-            <a:pPr marL="514350" indent="-514350">
-              <a:buAutoNum type="alphaLcParenR"/>
-            </a:pPr>
-            <a:r>
-              <a:rPr lang="en-US" dirty="0"/>
-              <a:t>A muffin recipe</a:t>
-            </a:r>
-          </a:p>
-        </p:txBody>
-      </p:sp>
-    </p:spTree>
-    <p:extLst>
-      <p:ext uri="{BB962C8B-B14F-4D97-AF65-F5344CB8AC3E}">
-        <p14:creationId xmlns:p14="http://schemas.microsoft.com/office/powerpoint/2010/main" val="1679115221"/>
-      </p:ext>
-    </p:extLst>
-  </p:cSld>
-  <p:clrMapOvr>
-    <a:masterClrMapping/>
-  </p:clrMapOvr>
-</p:sld>
-</file>
-
 <file path=ppt/theme/theme1.xml><?xml version="1.0" encoding="utf-8"?>
 <a:theme xmlns:a="http://schemas.openxmlformats.org/drawingml/2006/main" name="Office Theme">
   <a:themeElements>

--- a/slides/intro_slides.pptx
+++ b/slides/intro_slides.pptx
@@ -9336,7 +9336,7 @@
           <a:p>
             <a:fld id="{0EFA7FD9-DE90-4CA6-A7DC-DE592E5BE89D}" type="datetimeFigureOut">
               <a:rPr lang="en-US" smtClean="0"/>
-              <a:t>12/17/2020</a:t>
+              <a:t>1/22/2021</a:t>
             </a:fld>
             <a:endParaRPr lang="en-US" dirty="0"/>
           </a:p>
@@ -9534,7 +9534,7 @@
           <a:p>
             <a:fld id="{0EFA7FD9-DE90-4CA6-A7DC-DE592E5BE89D}" type="datetimeFigureOut">
               <a:rPr lang="en-US" smtClean="0"/>
-              <a:t>12/17/2020</a:t>
+              <a:t>1/22/2021</a:t>
             </a:fld>
             <a:endParaRPr lang="en-US" dirty="0"/>
           </a:p>
@@ -9742,7 +9742,7 @@
           <a:p>
             <a:fld id="{0EFA7FD9-DE90-4CA6-A7DC-DE592E5BE89D}" type="datetimeFigureOut">
               <a:rPr lang="en-US" smtClean="0"/>
-              <a:t>12/17/2020</a:t>
+              <a:t>1/22/2021</a:t>
             </a:fld>
             <a:endParaRPr lang="en-US" dirty="0"/>
           </a:p>
@@ -9940,7 +9940,7 @@
           <a:p>
             <a:fld id="{0EFA7FD9-DE90-4CA6-A7DC-DE592E5BE89D}" type="datetimeFigureOut">
               <a:rPr lang="en-US" smtClean="0"/>
-              <a:t>12/17/2020</a:t>
+              <a:t>1/22/2021</a:t>
             </a:fld>
             <a:endParaRPr lang="en-US" dirty="0"/>
           </a:p>
@@ -10215,7 +10215,7 @@
           <a:p>
             <a:fld id="{0EFA7FD9-DE90-4CA6-A7DC-DE592E5BE89D}" type="datetimeFigureOut">
               <a:rPr lang="en-US" smtClean="0"/>
-              <a:t>12/17/2020</a:t>
+              <a:t>1/22/2021</a:t>
             </a:fld>
             <a:endParaRPr lang="en-US" dirty="0"/>
           </a:p>
@@ -10480,7 +10480,7 @@
           <a:p>
             <a:fld id="{0EFA7FD9-DE90-4CA6-A7DC-DE592E5BE89D}" type="datetimeFigureOut">
               <a:rPr lang="en-US" smtClean="0"/>
-              <a:t>12/17/2020</a:t>
+              <a:t>1/22/2021</a:t>
             </a:fld>
             <a:endParaRPr lang="en-US" dirty="0"/>
           </a:p>
@@ -10892,7 +10892,7 @@
           <a:p>
             <a:fld id="{0EFA7FD9-DE90-4CA6-A7DC-DE592E5BE89D}" type="datetimeFigureOut">
               <a:rPr lang="en-US" smtClean="0"/>
-              <a:t>12/17/2020</a:t>
+              <a:t>1/22/2021</a:t>
             </a:fld>
             <a:endParaRPr lang="en-US" dirty="0"/>
           </a:p>
@@ -11033,7 +11033,7 @@
           <a:p>
             <a:fld id="{0EFA7FD9-DE90-4CA6-A7DC-DE592E5BE89D}" type="datetimeFigureOut">
               <a:rPr lang="en-US" smtClean="0"/>
-              <a:t>12/17/2020</a:t>
+              <a:t>1/22/2021</a:t>
             </a:fld>
             <a:endParaRPr lang="en-US" dirty="0"/>
           </a:p>
@@ -11146,7 +11146,7 @@
           <a:p>
             <a:fld id="{0EFA7FD9-DE90-4CA6-A7DC-DE592E5BE89D}" type="datetimeFigureOut">
               <a:rPr lang="en-US" smtClean="0"/>
-              <a:t>12/17/2020</a:t>
+              <a:t>1/22/2021</a:t>
             </a:fld>
             <a:endParaRPr lang="en-US" dirty="0"/>
           </a:p>
@@ -11457,7 +11457,7 @@
           <a:p>
             <a:fld id="{0EFA7FD9-DE90-4CA6-A7DC-DE592E5BE89D}" type="datetimeFigureOut">
               <a:rPr lang="en-US" smtClean="0"/>
-              <a:t>12/17/2020</a:t>
+              <a:t>1/22/2021</a:t>
             </a:fld>
             <a:endParaRPr lang="en-US" dirty="0"/>
           </a:p>
@@ -11745,7 +11745,7 @@
           <a:p>
             <a:fld id="{0EFA7FD9-DE90-4CA6-A7DC-DE592E5BE89D}" type="datetimeFigureOut">
               <a:rPr lang="en-US" smtClean="0"/>
-              <a:t>12/17/2020</a:t>
+              <a:t>1/22/2021</a:t>
             </a:fld>
             <a:endParaRPr lang="en-US" dirty="0"/>
           </a:p>
@@ -11986,7 +11986,7 @@
           <a:p>
             <a:fld id="{0EFA7FD9-DE90-4CA6-A7DC-DE592E5BE89D}" type="datetimeFigureOut">
               <a:rPr lang="en-US" smtClean="0"/>
-              <a:t>12/17/2020</a:t>
+              <a:t>1/22/2021</a:t>
             </a:fld>
             <a:endParaRPr lang="en-US" dirty="0"/>
           </a:p>
@@ -12430,7 +12430,7 @@
                   <a:schemeClr val="accent1"/>
                 </a:solidFill>
               </a:rPr>
-              <a:t>R-intro-training</a:t>
+              <a:t>r-intro-training</a:t>
             </a:r>
           </a:p>
         </p:txBody>

--- a/slides/intro_slides.pptx
+++ b/slides/intro_slides.pptx
@@ -2387,7 +2387,7 @@
         <a:p>
           <a:r>
             <a:rPr lang="en-US" dirty="0"/>
-            <a:t>Research and Policy Area</a:t>
+            <a:t>Research and policy area</a:t>
           </a:r>
         </a:p>
       </dgm:t>
@@ -2423,7 +2423,7 @@
         <a:p>
           <a:r>
             <a:rPr lang="en-US" dirty="0"/>
-            <a:t>Coding and Programming</a:t>
+            <a:t>Coding and programming</a:t>
           </a:r>
         </a:p>
       </dgm:t>
@@ -2459,7 +2459,7 @@
         <a:p>
           <a:r>
             <a:rPr lang="en-US" dirty="0"/>
-            <a:t>Statistics and Data Analysis</a:t>
+            <a:t>Statistics and data analysis</a:t>
           </a:r>
         </a:p>
       </dgm:t>
@@ -2582,15 +2582,15 @@
       </dgm:t>
     </dgm:pt>
     <dgm:pt modelId="{118954BA-FE67-4FDB-9080-26BE465AF04D}">
-      <dgm:prSet phldrT="[Text]"/>
+      <dgm:prSet phldrT="[Text]" custT="1"/>
       <dgm:spPr/>
       <dgm:t>
         <a:bodyPr/>
         <a:lstStyle/>
         <a:p>
           <a:r>
-            <a:rPr lang="en-US" dirty="0"/>
-            <a:t>Retrieve Data</a:t>
+            <a:rPr lang="en-US" sz="2800" dirty="0"/>
+            <a:t>Import data</a:t>
           </a:r>
         </a:p>
       </dgm:t>
@@ -2602,67 +2602,31 @@
         <a:bodyPr/>
         <a:lstStyle/>
         <a:p>
-          <a:endParaRPr lang="en-US"/>
+          <a:endParaRPr lang="en-US" sz="2800"/>
         </a:p>
       </dgm:t>
     </dgm:pt>
     <dgm:pt modelId="{93251F66-000C-4542-BDD4-C84A8E1FB7FC}" type="sibTrans" cxnId="{E4CADC25-5C7C-4AC9-BE4F-908606C08947}">
-      <dgm:prSet/>
+      <dgm:prSet custT="1"/>
       <dgm:spPr/>
       <dgm:t>
         <a:bodyPr/>
         <a:lstStyle/>
         <a:p>
-          <a:endParaRPr lang="en-US" dirty="0"/>
+          <a:endParaRPr lang="en-US" sz="2800" dirty="0"/>
         </a:p>
       </dgm:t>
     </dgm:pt>
-    <dgm:pt modelId="{F3071337-8159-4E56-B0A0-F0AFB0572DC6}">
-      <dgm:prSet phldrT="[Text]"/>
+    <dgm:pt modelId="{495CDDF2-1408-45E8-BD58-CFA41E721122}">
+      <dgm:prSet phldrT="[Text]" custT="1"/>
       <dgm:spPr/>
       <dgm:t>
         <a:bodyPr/>
         <a:lstStyle/>
         <a:p>
           <a:r>
-            <a:rPr lang="en-US" dirty="0"/>
-            <a:t>Import Data</a:t>
-          </a:r>
-        </a:p>
-      </dgm:t>
-    </dgm:pt>
-    <dgm:pt modelId="{25A3FF62-ADDE-4528-82B3-18C1BC42F9F1}" type="parTrans" cxnId="{850A8F1F-8BF1-46D6-BAF8-925D8754AB76}">
-      <dgm:prSet/>
-      <dgm:spPr/>
-      <dgm:t>
-        <a:bodyPr/>
-        <a:lstStyle/>
-        <a:p>
-          <a:endParaRPr lang="en-US"/>
-        </a:p>
-      </dgm:t>
-    </dgm:pt>
-    <dgm:pt modelId="{A705E3B5-3030-45B1-8EF1-C5513401CC6A}" type="sibTrans" cxnId="{850A8F1F-8BF1-46D6-BAF8-925D8754AB76}">
-      <dgm:prSet/>
-      <dgm:spPr/>
-      <dgm:t>
-        <a:bodyPr/>
-        <a:lstStyle/>
-        <a:p>
-          <a:endParaRPr lang="en-US" dirty="0"/>
-        </a:p>
-      </dgm:t>
-    </dgm:pt>
-    <dgm:pt modelId="{495CDDF2-1408-45E8-BD58-CFA41E721122}">
-      <dgm:prSet phldrT="[Text]"/>
-      <dgm:spPr/>
-      <dgm:t>
-        <a:bodyPr/>
-        <a:lstStyle/>
-        <a:p>
-          <a:r>
-            <a:rPr lang="en-US" dirty="0"/>
-            <a:t>Clean Data</a:t>
+            <a:rPr lang="en-US" sz="2800" dirty="0"/>
+            <a:t>Clean data</a:t>
           </a:r>
         </a:p>
       </dgm:t>
@@ -2674,31 +2638,31 @@
         <a:bodyPr/>
         <a:lstStyle/>
         <a:p>
-          <a:endParaRPr lang="en-US"/>
+          <a:endParaRPr lang="en-US" sz="2800"/>
         </a:p>
       </dgm:t>
     </dgm:pt>
     <dgm:pt modelId="{36835EEF-8F95-4F96-99DF-E1B688E5CF28}" type="sibTrans" cxnId="{22BB28B2-2D41-47BB-9C43-319792FEE568}">
-      <dgm:prSet/>
+      <dgm:prSet custT="1"/>
       <dgm:spPr/>
       <dgm:t>
         <a:bodyPr/>
         <a:lstStyle/>
         <a:p>
-          <a:endParaRPr lang="en-US" dirty="0"/>
+          <a:endParaRPr lang="en-US" sz="2800" dirty="0"/>
         </a:p>
       </dgm:t>
     </dgm:pt>
     <dgm:pt modelId="{2A69F6BD-06B5-4369-AC31-F171C471EE2F}">
-      <dgm:prSet phldrT="[Text]"/>
+      <dgm:prSet phldrT="[Text]" custT="1"/>
       <dgm:spPr/>
       <dgm:t>
         <a:bodyPr/>
         <a:lstStyle/>
         <a:p>
           <a:r>
-            <a:rPr lang="en-US" dirty="0"/>
-            <a:t>Analyze Data</a:t>
+            <a:rPr lang="en-US" sz="2800" dirty="0"/>
+            <a:t>Analyze data</a:t>
           </a:r>
         </a:p>
       </dgm:t>
@@ -2710,31 +2674,31 @@
         <a:bodyPr/>
         <a:lstStyle/>
         <a:p>
-          <a:endParaRPr lang="en-US"/>
+          <a:endParaRPr lang="en-US" sz="2800"/>
         </a:p>
       </dgm:t>
     </dgm:pt>
     <dgm:pt modelId="{50797ADC-3D44-4A9A-8A0F-42FB4983B00B}" type="sibTrans" cxnId="{A75CC462-9BFB-4B2C-8860-0EC9CE0F974B}">
-      <dgm:prSet/>
+      <dgm:prSet custT="1"/>
       <dgm:spPr/>
       <dgm:t>
         <a:bodyPr/>
         <a:lstStyle/>
         <a:p>
-          <a:endParaRPr lang="en-US" dirty="0"/>
+          <a:endParaRPr lang="en-US" sz="2800" dirty="0"/>
         </a:p>
       </dgm:t>
     </dgm:pt>
     <dgm:pt modelId="{A580FF3C-5FE1-4DD6-9009-CBDD54CB85E3}">
-      <dgm:prSet phldrT="[Text]"/>
+      <dgm:prSet phldrT="[Text]" custT="1"/>
       <dgm:spPr/>
       <dgm:t>
         <a:bodyPr/>
         <a:lstStyle/>
         <a:p>
           <a:r>
-            <a:rPr lang="en-US" dirty="0"/>
-            <a:t>Export Results</a:t>
+            <a:rPr lang="en-US" sz="2800" dirty="0"/>
+            <a:t>Export results</a:t>
           </a:r>
         </a:p>
       </dgm:t>
@@ -2746,54 +2710,90 @@
         <a:bodyPr/>
         <a:lstStyle/>
         <a:p>
-          <a:endParaRPr lang="en-US"/>
+          <a:endParaRPr lang="en-US" sz="2800"/>
         </a:p>
       </dgm:t>
     </dgm:pt>
     <dgm:pt modelId="{4CD659F3-D98B-41EA-8A84-93AA05A18F8D}" type="sibTrans" cxnId="{2143B02E-22C2-4E55-B1D2-CE531F6DA880}">
+      <dgm:prSet custT="1"/>
+      <dgm:spPr/>
+      <dgm:t>
+        <a:bodyPr/>
+        <a:lstStyle/>
+        <a:p>
+          <a:endParaRPr lang="en-US" sz="2800" dirty="0"/>
+        </a:p>
+      </dgm:t>
+    </dgm:pt>
+    <dgm:pt modelId="{59A4D52C-A7BF-4B08-BE6A-54329FFA0EF9}">
+      <dgm:prSet phldrT="[Text]" custT="1"/>
+      <dgm:spPr/>
+      <dgm:t>
+        <a:bodyPr/>
+        <a:lstStyle/>
+        <a:p>
+          <a:r>
+            <a:rPr lang="en-US" sz="2800" dirty="0"/>
+            <a:t>Get data</a:t>
+          </a:r>
+        </a:p>
+      </dgm:t>
+    </dgm:pt>
+    <dgm:pt modelId="{C214503D-5B2C-4A44-BC03-5F1FE575774B}" type="parTrans" cxnId="{EF2D2E14-22CC-46D1-BFA9-3A73DF2C782E}">
       <dgm:prSet/>
       <dgm:spPr/>
       <dgm:t>
         <a:bodyPr/>
         <a:lstStyle/>
         <a:p>
-          <a:endParaRPr lang="en-US" dirty="0"/>
+          <a:endParaRPr lang="en-US" sz="2800"/>
         </a:p>
       </dgm:t>
     </dgm:pt>
-    <dgm:pt modelId="{5804B9E6-AF23-4302-B979-FF7E22BDA594}">
-      <dgm:prSet phldrT="[Text]"/>
+    <dgm:pt modelId="{C89964F1-8BB6-45D3-9696-77D3580C81D4}" type="sibTrans" cxnId="{EF2D2E14-22CC-46D1-BFA9-3A73DF2C782E}">
+      <dgm:prSet custT="1"/>
+      <dgm:spPr/>
+      <dgm:t>
+        <a:bodyPr/>
+        <a:lstStyle/>
+        <a:p>
+          <a:endParaRPr lang="en-US" sz="2800" dirty="0"/>
+        </a:p>
+      </dgm:t>
+    </dgm:pt>
+    <dgm:pt modelId="{53826085-3147-4AD5-883D-9229B9BAC482}">
+      <dgm:prSet phldrT="[Text]" custT="1"/>
       <dgm:spPr/>
       <dgm:t>
         <a:bodyPr/>
         <a:lstStyle/>
         <a:p>
           <a:r>
-            <a:rPr lang="en-US" dirty="0"/>
-            <a:t>Communicate Findings</a:t>
+            <a:rPr lang="en-US" sz="2800" dirty="0"/>
+            <a:t>Share findings</a:t>
           </a:r>
         </a:p>
       </dgm:t>
     </dgm:pt>
-    <dgm:pt modelId="{8160E869-53A5-40AB-8954-1825146E6C02}" type="parTrans" cxnId="{3483CCBF-C21E-4843-AA8E-907BF0347FFB}">
+    <dgm:pt modelId="{7E4F996C-5C49-4FE6-B7DF-D234BC4F1455}" type="parTrans" cxnId="{96D1FE29-A6EE-4664-AB6A-92D4A3CFC4B5}">
       <dgm:prSet/>
       <dgm:spPr/>
       <dgm:t>
         <a:bodyPr/>
         <a:lstStyle/>
         <a:p>
-          <a:endParaRPr lang="en-US"/>
+          <a:endParaRPr lang="en-US" sz="2800"/>
         </a:p>
       </dgm:t>
     </dgm:pt>
-    <dgm:pt modelId="{4F8ECFAC-5A20-414E-BEF7-5BFC35FF5E4F}" type="sibTrans" cxnId="{3483CCBF-C21E-4843-AA8E-907BF0347FFB}">
+    <dgm:pt modelId="{E925A5DE-BDA1-4223-AC42-C4B7F5008954}" type="sibTrans" cxnId="{96D1FE29-A6EE-4664-AB6A-92D4A3CFC4B5}">
       <dgm:prSet/>
       <dgm:spPr/>
       <dgm:t>
         <a:bodyPr/>
         <a:lstStyle/>
         <a:p>
-          <a:endParaRPr lang="en-US"/>
+          <a:endParaRPr lang="en-US" sz="2800"/>
         </a:p>
       </dgm:t>
     </dgm:pt>
@@ -2806,8 +2806,24 @@
       </dgm:prSet>
       <dgm:spPr/>
     </dgm:pt>
+    <dgm:pt modelId="{DD61F14E-1958-49BD-AD9D-A18444B18C96}" type="pres">
+      <dgm:prSet presAssocID="{59A4D52C-A7BF-4B08-BE6A-54329FFA0EF9}" presName="node" presStyleLbl="node1" presStyleIdx="0" presStyleCnt="6">
+        <dgm:presLayoutVars>
+          <dgm:bulletEnabled val="1"/>
+        </dgm:presLayoutVars>
+      </dgm:prSet>
+      <dgm:spPr/>
+    </dgm:pt>
+    <dgm:pt modelId="{D219B302-CEFF-4E97-BAE4-E61C8CDD3404}" type="pres">
+      <dgm:prSet presAssocID="{C89964F1-8BB6-45D3-9696-77D3580C81D4}" presName="sibTrans" presStyleLbl="sibTrans1D1" presStyleIdx="0" presStyleCnt="5"/>
+      <dgm:spPr/>
+    </dgm:pt>
+    <dgm:pt modelId="{21890CCA-8C99-42EE-BF62-EC1007D117F9}" type="pres">
+      <dgm:prSet presAssocID="{C89964F1-8BB6-45D3-9696-77D3580C81D4}" presName="connectorText" presStyleLbl="sibTrans1D1" presStyleIdx="0" presStyleCnt="5"/>
+      <dgm:spPr/>
+    </dgm:pt>
     <dgm:pt modelId="{46CAD891-0AAE-435A-85DE-6F12CE56843A}" type="pres">
-      <dgm:prSet presAssocID="{118954BA-FE67-4FDB-9080-26BE465AF04D}" presName="node" presStyleLbl="node1" presStyleIdx="0" presStyleCnt="6">
+      <dgm:prSet presAssocID="{118954BA-FE67-4FDB-9080-26BE465AF04D}" presName="node" presStyleLbl="node1" presStyleIdx="1" presStyleCnt="6">
         <dgm:presLayoutVars>
           <dgm:bulletEnabled val="1"/>
         </dgm:presLayoutVars>
@@ -2815,27 +2831,11 @@
       <dgm:spPr/>
     </dgm:pt>
     <dgm:pt modelId="{C28B73A9-9ADF-4C11-884D-F551A4BD0140}" type="pres">
-      <dgm:prSet presAssocID="{93251F66-000C-4542-BDD4-C84A8E1FB7FC}" presName="sibTrans" presStyleLbl="sibTrans1D1" presStyleIdx="0" presStyleCnt="5"/>
+      <dgm:prSet presAssocID="{93251F66-000C-4542-BDD4-C84A8E1FB7FC}" presName="sibTrans" presStyleLbl="sibTrans1D1" presStyleIdx="1" presStyleCnt="5"/>
       <dgm:spPr/>
     </dgm:pt>
     <dgm:pt modelId="{551F9C2C-5D9B-4AC4-A207-F95EB8A1A33D}" type="pres">
-      <dgm:prSet presAssocID="{93251F66-000C-4542-BDD4-C84A8E1FB7FC}" presName="connectorText" presStyleLbl="sibTrans1D1" presStyleIdx="0" presStyleCnt="5"/>
-      <dgm:spPr/>
-    </dgm:pt>
-    <dgm:pt modelId="{F3E592A3-D84F-402D-83DC-FCAC2F3BB4E4}" type="pres">
-      <dgm:prSet presAssocID="{F3071337-8159-4E56-B0A0-F0AFB0572DC6}" presName="node" presStyleLbl="node1" presStyleIdx="1" presStyleCnt="6">
-        <dgm:presLayoutVars>
-          <dgm:bulletEnabled val="1"/>
-        </dgm:presLayoutVars>
-      </dgm:prSet>
-      <dgm:spPr/>
-    </dgm:pt>
-    <dgm:pt modelId="{9C72124A-C934-4C8E-8A17-EF3B166792F2}" type="pres">
-      <dgm:prSet presAssocID="{A705E3B5-3030-45B1-8EF1-C5513401CC6A}" presName="sibTrans" presStyleLbl="sibTrans1D1" presStyleIdx="1" presStyleCnt="5"/>
-      <dgm:spPr/>
-    </dgm:pt>
-    <dgm:pt modelId="{9827CDB8-2B70-4F45-96BD-1D26AB27380F}" type="pres">
-      <dgm:prSet presAssocID="{A705E3B5-3030-45B1-8EF1-C5513401CC6A}" presName="connectorText" presStyleLbl="sibTrans1D1" presStyleIdx="1" presStyleCnt="5"/>
+      <dgm:prSet presAssocID="{93251F66-000C-4542-BDD4-C84A8E1FB7FC}" presName="connectorText" presStyleLbl="sibTrans1D1" presStyleIdx="1" presStyleCnt="5"/>
       <dgm:spPr/>
     </dgm:pt>
     <dgm:pt modelId="{656C718C-3EAA-49A6-BCE8-00A96AC81C39}" type="pres">
@@ -2878,16 +2878,16 @@
       </dgm:prSet>
       <dgm:spPr/>
     </dgm:pt>
-    <dgm:pt modelId="{F3D78D08-3EE7-4C85-A4C2-66B675ABDE78}" type="pres">
+    <dgm:pt modelId="{2D1BCBCF-1DAC-4E49-95BC-6C1A0F1A05D3}" type="pres">
       <dgm:prSet presAssocID="{4CD659F3-D98B-41EA-8A84-93AA05A18F8D}" presName="sibTrans" presStyleLbl="sibTrans1D1" presStyleIdx="4" presStyleCnt="5"/>
       <dgm:spPr/>
     </dgm:pt>
-    <dgm:pt modelId="{6CC10F3D-36EA-4885-856E-267DB698D7E9}" type="pres">
+    <dgm:pt modelId="{75F13FBD-3DC4-4666-847D-0CB270BCB6A1}" type="pres">
       <dgm:prSet presAssocID="{4CD659F3-D98B-41EA-8A84-93AA05A18F8D}" presName="connectorText" presStyleLbl="sibTrans1D1" presStyleIdx="4" presStyleCnt="5"/>
       <dgm:spPr/>
     </dgm:pt>
-    <dgm:pt modelId="{0F4EEE77-8C77-43A9-B129-C779266AD7D5}" type="pres">
-      <dgm:prSet presAssocID="{5804B9E6-AF23-4302-B979-FF7E22BDA594}" presName="node" presStyleLbl="node1" presStyleIdx="5" presStyleCnt="6">
+    <dgm:pt modelId="{D296DFA0-B87F-4034-8C0B-C294FD031B3A}" type="pres">
+      <dgm:prSet presAssocID="{53826085-3147-4AD5-883D-9229B9BAC482}" presName="node" presStyleLbl="node1" presStyleIdx="5" presStyleCnt="6">
         <dgm:presLayoutVars>
           <dgm:bulletEnabled val="1"/>
         </dgm:presLayoutVars>
@@ -2896,35 +2896,35 @@
     </dgm:pt>
   </dgm:ptLst>
   <dgm:cxnLst>
-    <dgm:cxn modelId="{C8FCCD04-91D2-4367-9489-77343748A236}" type="presOf" srcId="{A705E3B5-3030-45B1-8EF1-C5513401CC6A}" destId="{9C72124A-C934-4C8E-8A17-EF3B166792F2}" srcOrd="0" destOrd="0" presId="urn:microsoft.com/office/officeart/2005/8/layout/bProcess3"/>
+    <dgm:cxn modelId="{EF2D2E14-22CC-46D1-BFA9-3A73DF2C782E}" srcId="{F2EB4B80-76C6-47ED-B104-63096ABB2C39}" destId="{59A4D52C-A7BF-4B08-BE6A-54329FFA0EF9}" srcOrd="0" destOrd="0" parTransId="{C214503D-5B2C-4A44-BC03-5F1FE575774B}" sibTransId="{C89964F1-8BB6-45D3-9696-77D3580C81D4}"/>
     <dgm:cxn modelId="{28A3DF1E-5EC4-41D3-AEDF-B8596ECB6606}" type="presOf" srcId="{A580FF3C-5FE1-4DD6-9009-CBDD54CB85E3}" destId="{843BFC02-BCBA-42A9-A2BC-57376EE23E43}" srcOrd="0" destOrd="0" presId="urn:microsoft.com/office/officeart/2005/8/layout/bProcess3"/>
-    <dgm:cxn modelId="{850A8F1F-8BF1-46D6-BAF8-925D8754AB76}" srcId="{F2EB4B80-76C6-47ED-B104-63096ABB2C39}" destId="{F3071337-8159-4E56-B0A0-F0AFB0572DC6}" srcOrd="1" destOrd="0" parTransId="{25A3FF62-ADDE-4528-82B3-18C1BC42F9F1}" sibTransId="{A705E3B5-3030-45B1-8EF1-C5513401CC6A}"/>
-    <dgm:cxn modelId="{E4CADC25-5C7C-4AC9-BE4F-908606C08947}" srcId="{F2EB4B80-76C6-47ED-B104-63096ABB2C39}" destId="{118954BA-FE67-4FDB-9080-26BE465AF04D}" srcOrd="0" destOrd="0" parTransId="{C3F6A563-3EAD-4198-8483-D620CFCFC021}" sibTransId="{93251F66-000C-4542-BDD4-C84A8E1FB7FC}"/>
+    <dgm:cxn modelId="{E4CADC25-5C7C-4AC9-BE4F-908606C08947}" srcId="{F2EB4B80-76C6-47ED-B104-63096ABB2C39}" destId="{118954BA-FE67-4FDB-9080-26BE465AF04D}" srcOrd="1" destOrd="0" parTransId="{C3F6A563-3EAD-4198-8483-D620CFCFC021}" sibTransId="{93251F66-000C-4542-BDD4-C84A8E1FB7FC}"/>
+    <dgm:cxn modelId="{96D1FE29-A6EE-4664-AB6A-92D4A3CFC4B5}" srcId="{F2EB4B80-76C6-47ED-B104-63096ABB2C39}" destId="{53826085-3147-4AD5-883D-9229B9BAC482}" srcOrd="5" destOrd="0" parTransId="{7E4F996C-5C49-4FE6-B7DF-D234BC4F1455}" sibTransId="{E925A5DE-BDA1-4223-AC42-C4B7F5008954}"/>
     <dgm:cxn modelId="{2143B02E-22C2-4E55-B1D2-CE531F6DA880}" srcId="{F2EB4B80-76C6-47ED-B104-63096ABB2C39}" destId="{A580FF3C-5FE1-4DD6-9009-CBDD54CB85E3}" srcOrd="4" destOrd="0" parTransId="{BE763777-9906-491B-B7F7-EEB04F767948}" sibTransId="{4CD659F3-D98B-41EA-8A84-93AA05A18F8D}"/>
     <dgm:cxn modelId="{C8FA633B-CF9E-4DFE-B2EE-7B3F32B1D9DD}" type="presOf" srcId="{118954BA-FE67-4FDB-9080-26BE465AF04D}" destId="{46CAD891-0AAE-435A-85DE-6F12CE56843A}" srcOrd="0" destOrd="0" presId="urn:microsoft.com/office/officeart/2005/8/layout/bProcess3"/>
     <dgm:cxn modelId="{A75CC462-9BFB-4B2C-8860-0EC9CE0F974B}" srcId="{F2EB4B80-76C6-47ED-B104-63096ABB2C39}" destId="{2A69F6BD-06B5-4369-AC31-F171C471EE2F}" srcOrd="3" destOrd="0" parTransId="{B39AB4C2-D61F-4807-A7BF-9CF7B2CB790E}" sibTransId="{50797ADC-3D44-4A9A-8A0F-42FB4983B00B}"/>
     <dgm:cxn modelId="{81D5DE62-5603-42AB-91E5-2889E68DE64E}" type="presOf" srcId="{F2EB4B80-76C6-47ED-B104-63096ABB2C39}" destId="{772E1B77-0AB6-4963-A358-BC5CCFFE3195}" srcOrd="0" destOrd="0" presId="urn:microsoft.com/office/officeart/2005/8/layout/bProcess3"/>
+    <dgm:cxn modelId="{A1DC046C-3628-4000-BE06-D6DC32867C9A}" type="presOf" srcId="{C89964F1-8BB6-45D3-9696-77D3580C81D4}" destId="{21890CCA-8C99-42EE-BF62-EC1007D117F9}" srcOrd="1" destOrd="0" presId="urn:microsoft.com/office/officeart/2005/8/layout/bProcess3"/>
+    <dgm:cxn modelId="{6F5B0682-187D-4F0C-AFC2-A7F85EE5C2E3}" type="presOf" srcId="{59A4D52C-A7BF-4B08-BE6A-54329FFA0EF9}" destId="{DD61F14E-1958-49BD-AD9D-A18444B18C96}" srcOrd="0" destOrd="0" presId="urn:microsoft.com/office/officeart/2005/8/layout/bProcess3"/>
     <dgm:cxn modelId="{1A2E0B84-BFDE-4131-9899-B7855D92FC70}" type="presOf" srcId="{93251F66-000C-4542-BDD4-C84A8E1FB7FC}" destId="{551F9C2C-5D9B-4AC4-A207-F95EB8A1A33D}" srcOrd="1" destOrd="0" presId="urn:microsoft.com/office/officeart/2005/8/layout/bProcess3"/>
-    <dgm:cxn modelId="{DDA9968D-CBAB-40B5-AB8A-28F0C1B97B20}" type="presOf" srcId="{5804B9E6-AF23-4302-B979-FF7E22BDA594}" destId="{0F4EEE77-8C77-43A9-B129-C779266AD7D5}" srcOrd="0" destOrd="0" presId="urn:microsoft.com/office/officeart/2005/8/layout/bProcess3"/>
     <dgm:cxn modelId="{DEE27493-703F-48F9-AF0C-4E94A5C8DB56}" type="presOf" srcId="{36835EEF-8F95-4F96-99DF-E1B688E5CF28}" destId="{B8DC0933-6D91-4F0C-BF19-1BC3A614CC98}" srcOrd="0" destOrd="0" presId="urn:microsoft.com/office/officeart/2005/8/layout/bProcess3"/>
+    <dgm:cxn modelId="{41116697-A9A4-4A23-93EE-C4634C078A67}" type="presOf" srcId="{4CD659F3-D98B-41EA-8A84-93AA05A18F8D}" destId="{2D1BCBCF-1DAC-4E49-95BC-6C1A0F1A05D3}" srcOrd="0" destOrd="0" presId="urn:microsoft.com/office/officeart/2005/8/layout/bProcess3"/>
     <dgm:cxn modelId="{A122C79A-5649-4AAA-A633-291C9309E3D1}" type="presOf" srcId="{50797ADC-3D44-4A9A-8A0F-42FB4983B00B}" destId="{3E27D295-3A10-49E5-A81A-8EC920FBE15B}" srcOrd="0" destOrd="0" presId="urn:microsoft.com/office/officeart/2005/8/layout/bProcess3"/>
-    <dgm:cxn modelId="{C0DAF3B1-69DC-42DE-931D-4869FF74B7DF}" type="presOf" srcId="{A705E3B5-3030-45B1-8EF1-C5513401CC6A}" destId="{9827CDB8-2B70-4F45-96BD-1D26AB27380F}" srcOrd="1" destOrd="0" presId="urn:microsoft.com/office/officeart/2005/8/layout/bProcess3"/>
+    <dgm:cxn modelId="{5ABA93A4-7551-4F24-9ACA-949F4A5DBF3A}" type="presOf" srcId="{4CD659F3-D98B-41EA-8A84-93AA05A18F8D}" destId="{75F13FBD-3DC4-4666-847D-0CB270BCB6A1}" srcOrd="1" destOrd="0" presId="urn:microsoft.com/office/officeart/2005/8/layout/bProcess3"/>
     <dgm:cxn modelId="{22BB28B2-2D41-47BB-9C43-319792FEE568}" srcId="{F2EB4B80-76C6-47ED-B104-63096ABB2C39}" destId="{495CDDF2-1408-45E8-BD58-CFA41E721122}" srcOrd="2" destOrd="0" parTransId="{98370804-D71D-4736-B818-95D0C777392B}" sibTransId="{36835EEF-8F95-4F96-99DF-E1B688E5CF28}"/>
+    <dgm:cxn modelId="{45CC45B3-BA75-4044-9AF5-B6516DF1E031}" type="presOf" srcId="{53826085-3147-4AD5-883D-9229B9BAC482}" destId="{D296DFA0-B87F-4034-8C0B-C294FD031B3A}" srcOrd="0" destOrd="0" presId="urn:microsoft.com/office/officeart/2005/8/layout/bProcess3"/>
     <dgm:cxn modelId="{3633EFB7-B21B-439D-B52A-8CC9DFCA54F2}" type="presOf" srcId="{93251F66-000C-4542-BDD4-C84A8E1FB7FC}" destId="{C28B73A9-9ADF-4C11-884D-F551A4BD0140}" srcOrd="0" destOrd="0" presId="urn:microsoft.com/office/officeart/2005/8/layout/bProcess3"/>
-    <dgm:cxn modelId="{9E4388B8-ECC8-424A-9BD4-148D2B21B3C5}" type="presOf" srcId="{4CD659F3-D98B-41EA-8A84-93AA05A18F8D}" destId="{F3D78D08-3EE7-4C85-A4C2-66B675ABDE78}" srcOrd="0" destOrd="0" presId="urn:microsoft.com/office/officeart/2005/8/layout/bProcess3"/>
-    <dgm:cxn modelId="{3483CCBF-C21E-4843-AA8E-907BF0347FFB}" srcId="{F2EB4B80-76C6-47ED-B104-63096ABB2C39}" destId="{5804B9E6-AF23-4302-B979-FF7E22BDA594}" srcOrd="5" destOrd="0" parTransId="{8160E869-53A5-40AB-8954-1825146E6C02}" sibTransId="{4F8ECFAC-5A20-414E-BEF7-5BFC35FF5E4F}"/>
-    <dgm:cxn modelId="{5EDEC9C4-9BF2-47CD-95B7-85DE616B7571}" type="presOf" srcId="{4CD659F3-D98B-41EA-8A84-93AA05A18F8D}" destId="{6CC10F3D-36EA-4885-856E-267DB698D7E9}" srcOrd="1" destOrd="0" presId="urn:microsoft.com/office/officeart/2005/8/layout/bProcess3"/>
     <dgm:cxn modelId="{1E3945D3-C4F4-47EF-80CF-81B0DF12F4B2}" type="presOf" srcId="{36835EEF-8F95-4F96-99DF-E1B688E5CF28}" destId="{06DAB3D7-9F25-4560-9057-0166145BB10A}" srcOrd="1" destOrd="0" presId="urn:microsoft.com/office/officeart/2005/8/layout/bProcess3"/>
-    <dgm:cxn modelId="{133439D6-F660-4EEF-A59E-AE5703036306}" type="presOf" srcId="{F3071337-8159-4E56-B0A0-F0AFB0572DC6}" destId="{F3E592A3-D84F-402D-83DC-FCAC2F3BB4E4}" srcOrd="0" destOrd="0" presId="urn:microsoft.com/office/officeart/2005/8/layout/bProcess3"/>
+    <dgm:cxn modelId="{159B55D3-9C02-4D01-8C70-CF70EDB54AB6}" type="presOf" srcId="{C89964F1-8BB6-45D3-9696-77D3580C81D4}" destId="{D219B302-CEFF-4E97-BAE4-E61C8CDD3404}" srcOrd="0" destOrd="0" presId="urn:microsoft.com/office/officeart/2005/8/layout/bProcess3"/>
     <dgm:cxn modelId="{578062D8-D9CD-427A-8501-734FD9019704}" type="presOf" srcId="{50797ADC-3D44-4A9A-8A0F-42FB4983B00B}" destId="{298A2C41-2643-47E5-BC38-2927F8061A30}" srcOrd="1" destOrd="0" presId="urn:microsoft.com/office/officeart/2005/8/layout/bProcess3"/>
     <dgm:cxn modelId="{08A274E2-B568-4336-B2D0-D54AC81AB08A}" type="presOf" srcId="{2A69F6BD-06B5-4369-AC31-F171C471EE2F}" destId="{D68A3C61-E44C-4D62-8CEC-F8E6192CD3A8}" srcOrd="0" destOrd="0" presId="urn:microsoft.com/office/officeart/2005/8/layout/bProcess3"/>
     <dgm:cxn modelId="{C7C8ACE8-A314-44A9-96B2-A7CF2981E247}" type="presOf" srcId="{495CDDF2-1408-45E8-BD58-CFA41E721122}" destId="{656C718C-3EAA-49A6-BCE8-00A96AC81C39}" srcOrd="0" destOrd="0" presId="urn:microsoft.com/office/officeart/2005/8/layout/bProcess3"/>
-    <dgm:cxn modelId="{5F245FDC-6C19-44C2-BDAA-75919C6A2585}" type="presParOf" srcId="{772E1B77-0AB6-4963-A358-BC5CCFFE3195}" destId="{46CAD891-0AAE-435A-85DE-6F12CE56843A}" srcOrd="0" destOrd="0" presId="urn:microsoft.com/office/officeart/2005/8/layout/bProcess3"/>
-    <dgm:cxn modelId="{D264619C-3E42-48C1-B490-2939A23771AE}" type="presParOf" srcId="{772E1B77-0AB6-4963-A358-BC5CCFFE3195}" destId="{C28B73A9-9ADF-4C11-884D-F551A4BD0140}" srcOrd="1" destOrd="0" presId="urn:microsoft.com/office/officeart/2005/8/layout/bProcess3"/>
+    <dgm:cxn modelId="{74A504DE-670F-4290-AF0F-627DAB4A48DC}" type="presParOf" srcId="{772E1B77-0AB6-4963-A358-BC5CCFFE3195}" destId="{DD61F14E-1958-49BD-AD9D-A18444B18C96}" srcOrd="0" destOrd="0" presId="urn:microsoft.com/office/officeart/2005/8/layout/bProcess3"/>
+    <dgm:cxn modelId="{7C08A03E-E95A-4DCD-9050-B558C5324A1C}" type="presParOf" srcId="{772E1B77-0AB6-4963-A358-BC5CCFFE3195}" destId="{D219B302-CEFF-4E97-BAE4-E61C8CDD3404}" srcOrd="1" destOrd="0" presId="urn:microsoft.com/office/officeart/2005/8/layout/bProcess3"/>
+    <dgm:cxn modelId="{2D9EC3F3-2962-4ECA-A5D1-94AF4A244A84}" type="presParOf" srcId="{D219B302-CEFF-4E97-BAE4-E61C8CDD3404}" destId="{21890CCA-8C99-42EE-BF62-EC1007D117F9}" srcOrd="0" destOrd="0" presId="urn:microsoft.com/office/officeart/2005/8/layout/bProcess3"/>
+    <dgm:cxn modelId="{5F245FDC-6C19-44C2-BDAA-75919C6A2585}" type="presParOf" srcId="{772E1B77-0AB6-4963-A358-BC5CCFFE3195}" destId="{46CAD891-0AAE-435A-85DE-6F12CE56843A}" srcOrd="2" destOrd="0" presId="urn:microsoft.com/office/officeart/2005/8/layout/bProcess3"/>
+    <dgm:cxn modelId="{D264619C-3E42-48C1-B490-2939A23771AE}" type="presParOf" srcId="{772E1B77-0AB6-4963-A358-BC5CCFFE3195}" destId="{C28B73A9-9ADF-4C11-884D-F551A4BD0140}" srcOrd="3" destOrd="0" presId="urn:microsoft.com/office/officeart/2005/8/layout/bProcess3"/>
     <dgm:cxn modelId="{71646694-11E6-4B9D-97CD-65A98C321D9A}" type="presParOf" srcId="{C28B73A9-9ADF-4C11-884D-F551A4BD0140}" destId="{551F9C2C-5D9B-4AC4-A207-F95EB8A1A33D}" srcOrd="0" destOrd="0" presId="urn:microsoft.com/office/officeart/2005/8/layout/bProcess3"/>
-    <dgm:cxn modelId="{5823A9C9-5233-4B0D-932A-E8C2EEDD5327}" type="presParOf" srcId="{772E1B77-0AB6-4963-A358-BC5CCFFE3195}" destId="{F3E592A3-D84F-402D-83DC-FCAC2F3BB4E4}" srcOrd="2" destOrd="0" presId="urn:microsoft.com/office/officeart/2005/8/layout/bProcess3"/>
-    <dgm:cxn modelId="{9A84C9D4-3F84-43A8-A52E-8BF5AB10D90C}" type="presParOf" srcId="{772E1B77-0AB6-4963-A358-BC5CCFFE3195}" destId="{9C72124A-C934-4C8E-8A17-EF3B166792F2}" srcOrd="3" destOrd="0" presId="urn:microsoft.com/office/officeart/2005/8/layout/bProcess3"/>
-    <dgm:cxn modelId="{2C5CE8B3-CAD0-49B8-81A1-6D19F8F517CC}" type="presParOf" srcId="{9C72124A-C934-4C8E-8A17-EF3B166792F2}" destId="{9827CDB8-2B70-4F45-96BD-1D26AB27380F}" srcOrd="0" destOrd="0" presId="urn:microsoft.com/office/officeart/2005/8/layout/bProcess3"/>
     <dgm:cxn modelId="{FC6A4DE9-E373-4289-9C1A-E51BC190BFBA}" type="presParOf" srcId="{772E1B77-0AB6-4963-A358-BC5CCFFE3195}" destId="{656C718C-3EAA-49A6-BCE8-00A96AC81C39}" srcOrd="4" destOrd="0" presId="urn:microsoft.com/office/officeart/2005/8/layout/bProcess3"/>
     <dgm:cxn modelId="{A64AB168-FF1E-46C1-B66F-5E7DF235AFE9}" type="presParOf" srcId="{772E1B77-0AB6-4963-A358-BC5CCFFE3195}" destId="{B8DC0933-6D91-4F0C-BF19-1BC3A614CC98}" srcOrd="5" destOrd="0" presId="urn:microsoft.com/office/officeart/2005/8/layout/bProcess3"/>
     <dgm:cxn modelId="{FEC9A27B-F660-46EC-BAB1-DA767914BCE1}" type="presParOf" srcId="{B8DC0933-6D91-4F0C-BF19-1BC3A614CC98}" destId="{06DAB3D7-9F25-4560-9057-0166145BB10A}" srcOrd="0" destOrd="0" presId="urn:microsoft.com/office/officeart/2005/8/layout/bProcess3"/>
@@ -2932,9 +2932,9 @@
     <dgm:cxn modelId="{61E42ED7-898A-461B-8C17-C559671CBE9A}" type="presParOf" srcId="{772E1B77-0AB6-4963-A358-BC5CCFFE3195}" destId="{3E27D295-3A10-49E5-A81A-8EC920FBE15B}" srcOrd="7" destOrd="0" presId="urn:microsoft.com/office/officeart/2005/8/layout/bProcess3"/>
     <dgm:cxn modelId="{A3CB0B21-00F3-42A6-BD1E-41A29167282B}" type="presParOf" srcId="{3E27D295-3A10-49E5-A81A-8EC920FBE15B}" destId="{298A2C41-2643-47E5-BC38-2927F8061A30}" srcOrd="0" destOrd="0" presId="urn:microsoft.com/office/officeart/2005/8/layout/bProcess3"/>
     <dgm:cxn modelId="{AFEB9113-7B0D-4C84-944C-9886B1059F8A}" type="presParOf" srcId="{772E1B77-0AB6-4963-A358-BC5CCFFE3195}" destId="{843BFC02-BCBA-42A9-A2BC-57376EE23E43}" srcOrd="8" destOrd="0" presId="urn:microsoft.com/office/officeart/2005/8/layout/bProcess3"/>
-    <dgm:cxn modelId="{1A536B51-C46E-4AD4-A1E1-39888231ACE1}" type="presParOf" srcId="{772E1B77-0AB6-4963-A358-BC5CCFFE3195}" destId="{F3D78D08-3EE7-4C85-A4C2-66B675ABDE78}" srcOrd="9" destOrd="0" presId="urn:microsoft.com/office/officeart/2005/8/layout/bProcess3"/>
-    <dgm:cxn modelId="{5A7B927C-2208-48F5-9CF2-ECF824351FFF}" type="presParOf" srcId="{F3D78D08-3EE7-4C85-A4C2-66B675ABDE78}" destId="{6CC10F3D-36EA-4885-856E-267DB698D7E9}" srcOrd="0" destOrd="0" presId="urn:microsoft.com/office/officeart/2005/8/layout/bProcess3"/>
-    <dgm:cxn modelId="{4EE32F55-2992-49E9-B0F2-F9FC48837C5D}" type="presParOf" srcId="{772E1B77-0AB6-4963-A358-BC5CCFFE3195}" destId="{0F4EEE77-8C77-43A9-B129-C779266AD7D5}" srcOrd="10" destOrd="0" presId="urn:microsoft.com/office/officeart/2005/8/layout/bProcess3"/>
+    <dgm:cxn modelId="{D0E728C5-6242-4E2B-B9B4-FBCE30F5FEF0}" type="presParOf" srcId="{772E1B77-0AB6-4963-A358-BC5CCFFE3195}" destId="{2D1BCBCF-1DAC-4E49-95BC-6C1A0F1A05D3}" srcOrd="9" destOrd="0" presId="urn:microsoft.com/office/officeart/2005/8/layout/bProcess3"/>
+    <dgm:cxn modelId="{9FD915B3-08AA-438C-8A70-F043C82B581A}" type="presParOf" srcId="{2D1BCBCF-1DAC-4E49-95BC-6C1A0F1A05D3}" destId="{75F13FBD-3DC4-4666-847D-0CB270BCB6A1}" srcOrd="0" destOrd="0" presId="urn:microsoft.com/office/officeart/2005/8/layout/bProcess3"/>
+    <dgm:cxn modelId="{5E19F237-9C80-42DE-9F36-094D2986AF7E}" type="presParOf" srcId="{772E1B77-0AB6-4963-A358-BC5CCFFE3195}" destId="{D296DFA0-B87F-4034-8C0B-C294FD031B3A}" srcOrd="10" destOrd="0" presId="urn:microsoft.com/office/officeart/2005/8/layout/bProcess3"/>
   </dgm:cxnLst>
   <dgm:bg/>
   <dgm:whole/>
@@ -2971,7 +2971,7 @@
             <a:rPr lang="en-US" sz="2000" dirty="0">
               <a:latin typeface="Consolas" panose="020B0609020204030204" pitchFamily="49" charset="0"/>
             </a:rPr>
-            <a:t>0_download_data.R</a:t>
+            <a:t>0_get_data.R</a:t>
           </a:r>
         </a:p>
       </dgm:t>
@@ -3277,7 +3277,7 @@
           </a:pPr>
           <a:r>
             <a:rPr lang="en-US" sz="2400" kern="1200" dirty="0"/>
-            <a:t>Research and Policy Area</a:t>
+            <a:t>Research and policy area</a:t>
           </a:r>
         </a:p>
       </dsp:txBody>
@@ -3356,7 +3356,7 @@
           </a:pPr>
           <a:r>
             <a:rPr lang="en-US" sz="2400" kern="1200" dirty="0"/>
-            <a:t>Statistics and Data Analysis</a:t>
+            <a:t>Statistics and data analysis</a:t>
           </a:r>
         </a:p>
       </dsp:txBody>
@@ -3435,7 +3435,7 @@
           </a:pPr>
           <a:r>
             <a:rPr lang="en-US" sz="2400" kern="1200" dirty="0"/>
-            <a:t>Coding and Programming</a:t>
+            <a:t>Coding and programming</a:t>
           </a:r>
         </a:p>
       </dsp:txBody>
@@ -3456,15 +3456,15 @@
       <dsp:cNvGrpSpPr/>
     </dsp:nvGrpSpPr>
     <dsp:grpSpPr/>
-    <dsp:sp modelId="{C28B73A9-9ADF-4C11-884D-F551A4BD0140}">
+    <dsp:sp modelId="{D219B302-CEFF-4E97-BAE4-E61C8CDD3404}">
       <dsp:nvSpPr>
         <dsp:cNvPr id="0" name=""/>
         <dsp:cNvSpPr/>
       </dsp:nvSpPr>
       <dsp:spPr>
         <a:xfrm>
-          <a:off x="2482403" y="1013456"/>
-          <a:ext cx="539252" cy="91440"/>
+          <a:off x="2943507" y="783241"/>
+          <a:ext cx="602711" cy="91440"/>
         </a:xfrm>
         <a:custGeom>
           <a:avLst/>
@@ -3478,7 +3478,7 @@
                 <a:pt x="0" y="45720"/>
               </a:moveTo>
               <a:lnTo>
-                <a:pt x="539252" y="45720"/>
+                <a:pt x="602711" y="45720"/>
               </a:lnTo>
             </a:path>
           </a:pathLst>
@@ -3517,7 +3517,7 @@
         </a:bodyPr>
         <a:lstStyle/>
         <a:p>
-          <a:pPr marL="0" lvl="0" indent="0" algn="ctr" defTabSz="222250">
+          <a:pPr marL="0" lvl="0" indent="0" algn="ctr" defTabSz="1244600">
             <a:lnSpc>
               <a:spcPct val="90000"/>
             </a:lnSpc>
@@ -3529,23 +3529,23 @@
             </a:spcAft>
             <a:buNone/>
           </a:pPr>
-          <a:endParaRPr lang="en-US" sz="500" kern="1200" dirty="0"/>
+          <a:endParaRPr lang="en-US" sz="2800" kern="1200" dirty="0"/>
         </a:p>
       </dsp:txBody>
       <dsp:txXfrm>
-        <a:off x="2737783" y="1056326"/>
-        <a:ext cx="28492" cy="5698"/>
+        <a:off x="3229030" y="825794"/>
+        <a:ext cx="31665" cy="6333"/>
       </dsp:txXfrm>
     </dsp:sp>
-    <dsp:sp modelId="{46CAD891-0AAE-435A-85DE-6F12CE56843A}">
+    <dsp:sp modelId="{DD61F14E-1958-49BD-AD9D-A18444B18C96}">
       <dsp:nvSpPr>
         <dsp:cNvPr id="0" name=""/>
         <dsp:cNvSpPr/>
       </dsp:nvSpPr>
       <dsp:spPr>
         <a:xfrm>
-          <a:off x="6581" y="315889"/>
-          <a:ext cx="2477621" cy="1486572"/>
+          <a:off x="191779" y="2902"/>
+          <a:ext cx="2753528" cy="1652116"/>
         </a:xfrm>
         <a:prstGeom prst="rect">
           <a:avLst/>
@@ -3606,24 +3606,24 @@
           </a:pPr>
           <a:r>
             <a:rPr lang="en-US" sz="2800" kern="1200" dirty="0"/>
-            <a:t>Retrieve Data</a:t>
+            <a:t>Get data</a:t>
           </a:r>
         </a:p>
       </dsp:txBody>
       <dsp:txXfrm>
-        <a:off x="6581" y="315889"/>
-        <a:ext cx="2477621" cy="1486572"/>
+        <a:off x="191779" y="2902"/>
+        <a:ext cx="2753528" cy="1652116"/>
       </dsp:txXfrm>
     </dsp:sp>
-    <dsp:sp modelId="{9C72124A-C934-4C8E-8A17-EF3B166792F2}">
+    <dsp:sp modelId="{C28B73A9-9ADF-4C11-884D-F551A4BD0140}">
       <dsp:nvSpPr>
         <dsp:cNvPr id="0" name=""/>
         <dsp:cNvSpPr/>
       </dsp:nvSpPr>
       <dsp:spPr>
         <a:xfrm>
-          <a:off x="5529877" y="1013456"/>
-          <a:ext cx="539252" cy="91440"/>
+          <a:off x="6330347" y="783241"/>
+          <a:ext cx="602711" cy="91440"/>
         </a:xfrm>
         <a:custGeom>
           <a:avLst/>
@@ -3637,7 +3637,7 @@
                 <a:pt x="0" y="45720"/>
               </a:moveTo>
               <a:lnTo>
-                <a:pt x="539252" y="45720"/>
+                <a:pt x="602711" y="45720"/>
               </a:lnTo>
             </a:path>
           </a:pathLst>
@@ -3676,7 +3676,7 @@
         </a:bodyPr>
         <a:lstStyle/>
         <a:p>
-          <a:pPr marL="0" lvl="0" indent="0" algn="ctr" defTabSz="222250">
+          <a:pPr marL="0" lvl="0" indent="0" algn="ctr" defTabSz="1244600">
             <a:lnSpc>
               <a:spcPct val="90000"/>
             </a:lnSpc>
@@ -3688,23 +3688,23 @@
             </a:spcAft>
             <a:buNone/>
           </a:pPr>
-          <a:endParaRPr lang="en-US" sz="500" kern="1200" dirty="0"/>
+          <a:endParaRPr lang="en-US" sz="2800" kern="1200" dirty="0"/>
         </a:p>
       </dsp:txBody>
       <dsp:txXfrm>
-        <a:off x="5785257" y="1056326"/>
-        <a:ext cx="28492" cy="5698"/>
+        <a:off x="6615870" y="825794"/>
+        <a:ext cx="31665" cy="6333"/>
       </dsp:txXfrm>
     </dsp:sp>
-    <dsp:sp modelId="{F3E592A3-D84F-402D-83DC-FCAC2F3BB4E4}">
+    <dsp:sp modelId="{46CAD891-0AAE-435A-85DE-6F12CE56843A}">
       <dsp:nvSpPr>
         <dsp:cNvPr id="0" name=""/>
         <dsp:cNvSpPr/>
       </dsp:nvSpPr>
       <dsp:spPr>
         <a:xfrm>
-          <a:off x="3054056" y="315889"/>
-          <a:ext cx="2477621" cy="1486572"/>
+          <a:off x="3578618" y="2902"/>
+          <a:ext cx="2753528" cy="1652116"/>
         </a:xfrm>
         <a:prstGeom prst="rect">
           <a:avLst/>
@@ -3765,13 +3765,13 @@
           </a:pPr>
           <a:r>
             <a:rPr lang="en-US" sz="2800" kern="1200" dirty="0"/>
-            <a:t>Import Data</a:t>
+            <a:t>Import data</a:t>
           </a:r>
         </a:p>
       </dsp:txBody>
       <dsp:txXfrm>
-        <a:off x="3054056" y="315889"/>
-        <a:ext cx="2477621" cy="1486572"/>
+        <a:off x="3578618" y="2902"/>
+        <a:ext cx="2753528" cy="1652116"/>
       </dsp:txXfrm>
     </dsp:sp>
     <dsp:sp modelId="{B8DC0933-6D91-4F0C-BF19-1BC3A614CC98}">
@@ -3781,8 +3781,8 @@
       </dsp:nvSpPr>
       <dsp:spPr>
         <a:xfrm>
-          <a:off x="1245392" y="1800662"/>
-          <a:ext cx="6094948" cy="539252"/>
+          <a:off x="1568543" y="1653219"/>
+          <a:ext cx="6773679" cy="602711"/>
         </a:xfrm>
         <a:custGeom>
           <a:avLst/>
@@ -3793,16 +3793,16 @@
           <a:pathLst>
             <a:path>
               <a:moveTo>
-                <a:pt x="6094948" y="0"/>
+                <a:pt x="6773679" y="0"/>
               </a:moveTo>
               <a:lnTo>
-                <a:pt x="6094948" y="286726"/>
+                <a:pt x="6773679" y="318455"/>
               </a:lnTo>
               <a:lnTo>
-                <a:pt x="0" y="286726"/>
+                <a:pt x="0" y="318455"/>
               </a:lnTo>
               <a:lnTo>
-                <a:pt x="0" y="539252"/>
+                <a:pt x="0" y="602711"/>
               </a:lnTo>
             </a:path>
           </a:pathLst>
@@ -3841,7 +3841,7 @@
         </a:bodyPr>
         <a:lstStyle/>
         <a:p>
-          <a:pPr marL="0" lvl="0" indent="0" algn="ctr" defTabSz="222250">
+          <a:pPr marL="0" lvl="0" indent="0" algn="ctr" defTabSz="1244600">
             <a:lnSpc>
               <a:spcPct val="90000"/>
             </a:lnSpc>
@@ -3853,12 +3853,12 @@
             </a:spcAft>
             <a:buNone/>
           </a:pPr>
-          <a:endParaRPr lang="en-US" sz="500" kern="1200" dirty="0"/>
+          <a:endParaRPr lang="en-US" sz="2800" kern="1200" dirty="0"/>
         </a:p>
       </dsp:txBody>
       <dsp:txXfrm>
-        <a:off x="4139828" y="2067439"/>
-        <a:ext cx="306076" cy="5698"/>
+        <a:off x="4785302" y="1951408"/>
+        <a:ext cx="340161" cy="6333"/>
       </dsp:txXfrm>
     </dsp:sp>
     <dsp:sp modelId="{656C718C-3EAA-49A6-BCE8-00A96AC81C39}">
@@ -3868,8 +3868,8 @@
       </dsp:nvSpPr>
       <dsp:spPr>
         <a:xfrm>
-          <a:off x="6101530" y="315889"/>
-          <a:ext cx="2477621" cy="1486572"/>
+          <a:off x="6965458" y="2902"/>
+          <a:ext cx="2753528" cy="1652116"/>
         </a:xfrm>
         <a:prstGeom prst="rect">
           <a:avLst/>
@@ -3930,13 +3930,13 @@
           </a:pPr>
           <a:r>
             <a:rPr lang="en-US" sz="2800" kern="1200" dirty="0"/>
-            <a:t>Clean Data</a:t>
+            <a:t>Clean data</a:t>
           </a:r>
         </a:p>
       </dsp:txBody>
       <dsp:txXfrm>
-        <a:off x="6101530" y="315889"/>
-        <a:ext cx="2477621" cy="1486572"/>
+        <a:off x="6965458" y="2902"/>
+        <a:ext cx="2753528" cy="1652116"/>
       </dsp:txXfrm>
     </dsp:sp>
     <dsp:sp modelId="{3E27D295-3A10-49E5-A81A-8EC920FBE15B}">
@@ -3946,8 +3946,8 @@
       </dsp:nvSpPr>
       <dsp:spPr>
         <a:xfrm>
-          <a:off x="2482403" y="3069881"/>
-          <a:ext cx="539252" cy="91440"/>
+          <a:off x="2943507" y="3068669"/>
+          <a:ext cx="602711" cy="91440"/>
         </a:xfrm>
         <a:custGeom>
           <a:avLst/>
@@ -3961,7 +3961,7 @@
                 <a:pt x="0" y="45720"/>
               </a:moveTo>
               <a:lnTo>
-                <a:pt x="539252" y="45720"/>
+                <a:pt x="602711" y="45720"/>
               </a:lnTo>
             </a:path>
           </a:pathLst>
@@ -4000,7 +4000,7 @@
         </a:bodyPr>
         <a:lstStyle/>
         <a:p>
-          <a:pPr marL="0" lvl="0" indent="0" algn="ctr" defTabSz="222250">
+          <a:pPr marL="0" lvl="0" indent="0" algn="ctr" defTabSz="1244600">
             <a:lnSpc>
               <a:spcPct val="90000"/>
             </a:lnSpc>
@@ -4012,12 +4012,12 @@
             </a:spcAft>
             <a:buNone/>
           </a:pPr>
-          <a:endParaRPr lang="en-US" sz="500" kern="1200" dirty="0"/>
+          <a:endParaRPr lang="en-US" sz="2800" kern="1200" dirty="0"/>
         </a:p>
       </dsp:txBody>
       <dsp:txXfrm>
-        <a:off x="2737783" y="3112752"/>
-        <a:ext cx="28492" cy="5698"/>
+        <a:off x="3229030" y="3111223"/>
+        <a:ext cx="31665" cy="6333"/>
       </dsp:txXfrm>
     </dsp:sp>
     <dsp:sp modelId="{D68A3C61-E44C-4D62-8CEC-F8E6192CD3A8}">
@@ -4027,8 +4027,8 @@
       </dsp:nvSpPr>
       <dsp:spPr>
         <a:xfrm>
-          <a:off x="6581" y="2372315"/>
-          <a:ext cx="2477621" cy="1486572"/>
+          <a:off x="191779" y="2288331"/>
+          <a:ext cx="2753528" cy="1652116"/>
         </a:xfrm>
         <a:prstGeom prst="rect">
           <a:avLst/>
@@ -4089,24 +4089,24 @@
           </a:pPr>
           <a:r>
             <a:rPr lang="en-US" sz="2800" kern="1200" dirty="0"/>
-            <a:t>Analyze Data</a:t>
+            <a:t>Analyze data</a:t>
           </a:r>
         </a:p>
       </dsp:txBody>
       <dsp:txXfrm>
-        <a:off x="6581" y="2372315"/>
-        <a:ext cx="2477621" cy="1486572"/>
+        <a:off x="191779" y="2288331"/>
+        <a:ext cx="2753528" cy="1652116"/>
       </dsp:txXfrm>
     </dsp:sp>
-    <dsp:sp modelId="{F3D78D08-3EE7-4C85-A4C2-66B675ABDE78}">
+    <dsp:sp modelId="{2D1BCBCF-1DAC-4E49-95BC-6C1A0F1A05D3}">
       <dsp:nvSpPr>
         <dsp:cNvPr id="0" name=""/>
         <dsp:cNvSpPr/>
       </dsp:nvSpPr>
       <dsp:spPr>
         <a:xfrm>
-          <a:off x="5529877" y="3069881"/>
-          <a:ext cx="539252" cy="91440"/>
+          <a:off x="6330347" y="3068669"/>
+          <a:ext cx="602711" cy="91440"/>
         </a:xfrm>
         <a:custGeom>
           <a:avLst/>
@@ -4120,7 +4120,7 @@
                 <a:pt x="0" y="45720"/>
               </a:moveTo>
               <a:lnTo>
-                <a:pt x="539252" y="45720"/>
+                <a:pt x="602711" y="45720"/>
               </a:lnTo>
             </a:path>
           </a:pathLst>
@@ -4159,7 +4159,7 @@
         </a:bodyPr>
         <a:lstStyle/>
         <a:p>
-          <a:pPr marL="0" lvl="0" indent="0" algn="ctr" defTabSz="222250">
+          <a:pPr marL="0" lvl="0" indent="0" algn="ctr" defTabSz="1244600">
             <a:lnSpc>
               <a:spcPct val="90000"/>
             </a:lnSpc>
@@ -4171,12 +4171,12 @@
             </a:spcAft>
             <a:buNone/>
           </a:pPr>
-          <a:endParaRPr lang="en-US" sz="500" kern="1200" dirty="0"/>
+          <a:endParaRPr lang="en-US" sz="2800" kern="1200" dirty="0"/>
         </a:p>
       </dsp:txBody>
       <dsp:txXfrm>
-        <a:off x="5785257" y="3112752"/>
-        <a:ext cx="28492" cy="5698"/>
+        <a:off x="6615870" y="3111223"/>
+        <a:ext cx="31665" cy="6333"/>
       </dsp:txXfrm>
     </dsp:sp>
     <dsp:sp modelId="{843BFC02-BCBA-42A9-A2BC-57376EE23E43}">
@@ -4186,8 +4186,8 @@
       </dsp:nvSpPr>
       <dsp:spPr>
         <a:xfrm>
-          <a:off x="3054056" y="2372315"/>
-          <a:ext cx="2477621" cy="1486572"/>
+          <a:off x="3578618" y="2288331"/>
+          <a:ext cx="2753528" cy="1652116"/>
         </a:xfrm>
         <a:prstGeom prst="rect">
           <a:avLst/>
@@ -4248,24 +4248,24 @@
           </a:pPr>
           <a:r>
             <a:rPr lang="en-US" sz="2800" kern="1200" dirty="0"/>
-            <a:t>Export Results</a:t>
+            <a:t>Export results</a:t>
           </a:r>
         </a:p>
       </dsp:txBody>
       <dsp:txXfrm>
-        <a:off x="3054056" y="2372315"/>
-        <a:ext cx="2477621" cy="1486572"/>
+        <a:off x="3578618" y="2288331"/>
+        <a:ext cx="2753528" cy="1652116"/>
       </dsp:txXfrm>
     </dsp:sp>
-    <dsp:sp modelId="{0F4EEE77-8C77-43A9-B129-C779266AD7D5}">
+    <dsp:sp modelId="{D296DFA0-B87F-4034-8C0B-C294FD031B3A}">
       <dsp:nvSpPr>
         <dsp:cNvPr id="0" name=""/>
         <dsp:cNvSpPr/>
       </dsp:nvSpPr>
       <dsp:spPr>
         <a:xfrm>
-          <a:off x="6101530" y="2372315"/>
-          <a:ext cx="2477621" cy="1486572"/>
+          <a:off x="6965458" y="2288331"/>
+          <a:ext cx="2753528" cy="1652116"/>
         </a:xfrm>
         <a:prstGeom prst="rect">
           <a:avLst/>
@@ -4326,13 +4326,13 @@
           </a:pPr>
           <a:r>
             <a:rPr lang="en-US" sz="2800" kern="1200" dirty="0"/>
-            <a:t>Communicate Findings</a:t>
+            <a:t>Share findings</a:t>
           </a:r>
         </a:p>
       </dsp:txBody>
       <dsp:txXfrm>
-        <a:off x="6101530" y="2372315"/>
-        <a:ext cx="2477621" cy="1486572"/>
+        <a:off x="6965458" y="2288331"/>
+        <a:ext cx="2753528" cy="1652116"/>
       </dsp:txXfrm>
     </dsp:sp>
   </dsp:spTree>
@@ -4658,7 +4658,7 @@
             <a:rPr lang="en-US" sz="2000" kern="1200" dirty="0">
               <a:latin typeface="Consolas" panose="020B0609020204030204" pitchFamily="49" charset="0"/>
             </a:rPr>
-            <a:t>0_download_data.R</a:t>
+            <a:t>0_get_data.R</a:t>
           </a:r>
         </a:p>
       </dsp:txBody>
@@ -9336,7 +9336,7 @@
           <a:p>
             <a:fld id="{0EFA7FD9-DE90-4CA6-A7DC-DE592E5BE89D}" type="datetimeFigureOut">
               <a:rPr lang="en-US" smtClean="0"/>
-              <a:t>1/22/2021</a:t>
+              <a:t>6/8/2021</a:t>
             </a:fld>
             <a:endParaRPr lang="en-US" dirty="0"/>
           </a:p>
@@ -9534,7 +9534,7 @@
           <a:p>
             <a:fld id="{0EFA7FD9-DE90-4CA6-A7DC-DE592E5BE89D}" type="datetimeFigureOut">
               <a:rPr lang="en-US" smtClean="0"/>
-              <a:t>1/22/2021</a:t>
+              <a:t>6/8/2021</a:t>
             </a:fld>
             <a:endParaRPr lang="en-US" dirty="0"/>
           </a:p>
@@ -9742,7 +9742,7 @@
           <a:p>
             <a:fld id="{0EFA7FD9-DE90-4CA6-A7DC-DE592E5BE89D}" type="datetimeFigureOut">
               <a:rPr lang="en-US" smtClean="0"/>
-              <a:t>1/22/2021</a:t>
+              <a:t>6/8/2021</a:t>
             </a:fld>
             <a:endParaRPr lang="en-US" dirty="0"/>
           </a:p>
@@ -9940,7 +9940,7 @@
           <a:p>
             <a:fld id="{0EFA7FD9-DE90-4CA6-A7DC-DE592E5BE89D}" type="datetimeFigureOut">
               <a:rPr lang="en-US" smtClean="0"/>
-              <a:t>1/22/2021</a:t>
+              <a:t>6/8/2021</a:t>
             </a:fld>
             <a:endParaRPr lang="en-US" dirty="0"/>
           </a:p>
@@ -10215,7 +10215,7 @@
           <a:p>
             <a:fld id="{0EFA7FD9-DE90-4CA6-A7DC-DE592E5BE89D}" type="datetimeFigureOut">
               <a:rPr lang="en-US" smtClean="0"/>
-              <a:t>1/22/2021</a:t>
+              <a:t>6/8/2021</a:t>
             </a:fld>
             <a:endParaRPr lang="en-US" dirty="0"/>
           </a:p>
@@ -10480,7 +10480,7 @@
           <a:p>
             <a:fld id="{0EFA7FD9-DE90-4CA6-A7DC-DE592E5BE89D}" type="datetimeFigureOut">
               <a:rPr lang="en-US" smtClean="0"/>
-              <a:t>1/22/2021</a:t>
+              <a:t>6/8/2021</a:t>
             </a:fld>
             <a:endParaRPr lang="en-US" dirty="0"/>
           </a:p>
@@ -10892,7 +10892,7 @@
           <a:p>
             <a:fld id="{0EFA7FD9-DE90-4CA6-A7DC-DE592E5BE89D}" type="datetimeFigureOut">
               <a:rPr lang="en-US" smtClean="0"/>
-              <a:t>1/22/2021</a:t>
+              <a:t>6/8/2021</a:t>
             </a:fld>
             <a:endParaRPr lang="en-US" dirty="0"/>
           </a:p>
@@ -11033,7 +11033,7 @@
           <a:p>
             <a:fld id="{0EFA7FD9-DE90-4CA6-A7DC-DE592E5BE89D}" type="datetimeFigureOut">
               <a:rPr lang="en-US" smtClean="0"/>
-              <a:t>1/22/2021</a:t>
+              <a:t>6/8/2021</a:t>
             </a:fld>
             <a:endParaRPr lang="en-US" dirty="0"/>
           </a:p>
@@ -11146,7 +11146,7 @@
           <a:p>
             <a:fld id="{0EFA7FD9-DE90-4CA6-A7DC-DE592E5BE89D}" type="datetimeFigureOut">
               <a:rPr lang="en-US" smtClean="0"/>
-              <a:t>1/22/2021</a:t>
+              <a:t>6/8/2021</a:t>
             </a:fld>
             <a:endParaRPr lang="en-US" dirty="0"/>
           </a:p>
@@ -11457,7 +11457,7 @@
           <a:p>
             <a:fld id="{0EFA7FD9-DE90-4CA6-A7DC-DE592E5BE89D}" type="datetimeFigureOut">
               <a:rPr lang="en-US" smtClean="0"/>
-              <a:t>1/22/2021</a:t>
+              <a:t>6/8/2021</a:t>
             </a:fld>
             <a:endParaRPr lang="en-US" dirty="0"/>
           </a:p>
@@ -11745,7 +11745,7 @@
           <a:p>
             <a:fld id="{0EFA7FD9-DE90-4CA6-A7DC-DE592E5BE89D}" type="datetimeFigureOut">
               <a:rPr lang="en-US" smtClean="0"/>
-              <a:t>1/22/2021</a:t>
+              <a:t>6/8/2021</a:t>
             </a:fld>
             <a:endParaRPr lang="en-US" dirty="0"/>
           </a:p>
@@ -11986,7 +11986,7 @@
           <a:p>
             <a:fld id="{0EFA7FD9-DE90-4CA6-A7DC-DE592E5BE89D}" type="datetimeFigureOut">
               <a:rPr lang="en-US" smtClean="0"/>
-              <a:t>1/22/2021</a:t>
+              <a:t>6/8/2021</a:t>
             </a:fld>
             <a:endParaRPr lang="en-US" dirty="0"/>
           </a:p>
@@ -12548,7 +12548,7 @@
             </a:pPr>
             <a:r>
               <a:rPr lang="en-US" dirty="0"/>
-              <a:t>Discuss helpful mental models</a:t>
+              <a:t>Explore some helpful mental models</a:t>
             </a:r>
           </a:p>
           <a:p>
@@ -12568,7 +12568,7 @@
             </a:pPr>
             <a:r>
               <a:rPr lang="en-US" dirty="0"/>
-              <a:t>Explore R tools for data analysis</a:t>
+              <a:t>Run a real-world analysis using R</a:t>
             </a:r>
           </a:p>
         </p:txBody>
@@ -12672,7 +12672,7 @@
             </a:r>
             <a:r>
               <a:rPr lang="en-US" dirty="0"/>
-              <a:t> is a software for using R</a:t>
+              <a:t> is an integrated development environment (IDE) for R</a:t>
             </a:r>
           </a:p>
           <a:p>
@@ -12684,8 +12684,15 @@
             </a:pPr>
             <a:r>
               <a:rPr lang="en-US" i="1" dirty="0"/>
-              <a:t>Both are free</a:t>
+              <a:t>Both are </a:t>
             </a:r>
+            <a:r>
+              <a:rPr lang="en-US" i="1" dirty="0">
+                <a:hlinkClick r:id="rId4"/>
+              </a:rPr>
+              <a:t>free</a:t>
+            </a:r>
+            <a:endParaRPr lang="en-US" i="1" dirty="0"/>
           </a:p>
         </p:txBody>
       </p:sp>
@@ -13013,7 +13020,7 @@
         <p:spPr>
           <a:xfrm>
             <a:off x="742656" y="5890661"/>
-            <a:ext cx="3416166" cy="523220"/>
+            <a:ext cx="3735837" cy="523220"/>
           </a:xfrm>
           <a:prstGeom prst="rect">
             <a:avLst/>
@@ -13076,7 +13083,7 @@
           <p:nvPr>
             <p:extLst>
               <p:ext uri="{D42A27DB-BD31-4B8C-83A1-F6EECF244321}">
-                <p14:modId xmlns:p14="http://schemas.microsoft.com/office/powerpoint/2010/main" val="2592783105"/>
+                <p14:modId xmlns:p14="http://schemas.microsoft.com/office/powerpoint/2010/main" val="3252867531"/>
               </p:ext>
             </p:extLst>
           </p:nvPr>
@@ -13122,7 +13129,7 @@
             <a:pPr algn="ctr"/>
             <a:r>
               <a:rPr lang="en-US" sz="3200" dirty="0"/>
-              <a:t>Core Skills for Data-Based Policy Research</a:t>
+              <a:t>Core skills for data-based policy research</a:t>
             </a:r>
           </a:p>
         </p:txBody>
@@ -13170,14 +13177,14 @@
           <p:nvPr>
             <p:extLst>
               <p:ext uri="{D42A27DB-BD31-4B8C-83A1-F6EECF244321}">
-                <p14:modId xmlns:p14="http://schemas.microsoft.com/office/powerpoint/2010/main" val="1728534392"/>
+                <p14:modId xmlns:p14="http://schemas.microsoft.com/office/powerpoint/2010/main" val="594306759"/>
               </p:ext>
             </p:extLst>
           </p:nvPr>
         </p:nvGraphicFramePr>
         <p:xfrm>
-          <a:off x="1803130" y="1359529"/>
-          <a:ext cx="8585734" cy="4174778"/>
+          <a:off x="1140614" y="1933574"/>
+          <a:ext cx="9910766" cy="3943351"/>
         </p:xfrm>
         <a:graphic>
           <a:graphicData uri="http://schemas.openxmlformats.org/drawingml/2006/diagram">
@@ -13216,7 +13223,7 @@
             <a:pPr algn="ctr"/>
             <a:r>
               <a:rPr lang="en-US" sz="3200" dirty="0"/>
-              <a:t>Workflow of Data Analysis</a:t>
+              <a:t>Workflow of data analysis</a:t>
             </a:r>
           </a:p>
         </p:txBody>
@@ -13264,7 +13271,7 @@
           <p:nvPr>
             <p:extLst>
               <p:ext uri="{D42A27DB-BD31-4B8C-83A1-F6EECF244321}">
-                <p14:modId xmlns:p14="http://schemas.microsoft.com/office/powerpoint/2010/main" val="2072524896"/>
+                <p14:modId xmlns:p14="http://schemas.microsoft.com/office/powerpoint/2010/main" val="3090711386"/>
               </p:ext>
             </p:extLst>
           </p:nvPr>
@@ -13310,7 +13317,7 @@
             <a:pPr algn="ctr"/>
             <a:r>
               <a:rPr lang="en-US" sz="3200" dirty="0"/>
-              <a:t>Code as a Shareable Recipe</a:t>
+              <a:t>Code as a shareable recipe</a:t>
             </a:r>
           </a:p>
         </p:txBody>
